--- a/Java Basics/Java Basics 5.pptx
+++ b/Java Basics/Java Basics 5.pptx
@@ -113,6 +113,11 @@
       </a:defRPr>
     </a:lvl9pPr>
   </p:defaultTextStyle>
+  <p:extLst>
+    <p:ext uri="{EFAFB233-063F-42B5-8137-9DF3F51BA10A}">
+      <p15:sldGuideLst xmlns:p15="http://schemas.microsoft.com/office/powerpoint/2012/main"/>
+    </p:ext>
+  </p:extLst>
 </p:presentation>
 </file>
 
@@ -263,7 +268,7 @@
           <a:p>
             <a:fld id="{B7AF1550-31E0-4A48-B58F-A46B12E82A95}" type="datetimeFigureOut">
               <a:rPr kumimoji="1" lang="zh-CN" altLang="en-US" smtClean="0"/>
-              <a:t>2023/2/15</a:t>
+              <a:t>2023/2/16</a:t>
             </a:fld>
             <a:endParaRPr kumimoji="1" lang="zh-CN" altLang="en-US"/>
           </a:p>
@@ -461,7 +466,7 @@
           <a:p>
             <a:fld id="{B7AF1550-31E0-4A48-B58F-A46B12E82A95}" type="datetimeFigureOut">
               <a:rPr kumimoji="1" lang="zh-CN" altLang="en-US" smtClean="0"/>
-              <a:t>2023/2/15</a:t>
+              <a:t>2023/2/16</a:t>
             </a:fld>
             <a:endParaRPr kumimoji="1" lang="zh-CN" altLang="en-US"/>
           </a:p>
@@ -669,7 +674,7 @@
           <a:p>
             <a:fld id="{B7AF1550-31E0-4A48-B58F-A46B12E82A95}" type="datetimeFigureOut">
               <a:rPr kumimoji="1" lang="zh-CN" altLang="en-US" smtClean="0"/>
-              <a:t>2023/2/15</a:t>
+              <a:t>2023/2/16</a:t>
             </a:fld>
             <a:endParaRPr kumimoji="1" lang="zh-CN" altLang="en-US"/>
           </a:p>
@@ -867,7 +872,7 @@
           <a:p>
             <a:fld id="{B7AF1550-31E0-4A48-B58F-A46B12E82A95}" type="datetimeFigureOut">
               <a:rPr kumimoji="1" lang="zh-CN" altLang="en-US" smtClean="0"/>
-              <a:t>2023/2/15</a:t>
+              <a:t>2023/2/16</a:t>
             </a:fld>
             <a:endParaRPr kumimoji="1" lang="zh-CN" altLang="en-US"/>
           </a:p>
@@ -1142,7 +1147,7 @@
           <a:p>
             <a:fld id="{B7AF1550-31E0-4A48-B58F-A46B12E82A95}" type="datetimeFigureOut">
               <a:rPr kumimoji="1" lang="zh-CN" altLang="en-US" smtClean="0"/>
-              <a:t>2023/2/15</a:t>
+              <a:t>2023/2/16</a:t>
             </a:fld>
             <a:endParaRPr kumimoji="1" lang="zh-CN" altLang="en-US"/>
           </a:p>
@@ -1407,7 +1412,7 @@
           <a:p>
             <a:fld id="{B7AF1550-31E0-4A48-B58F-A46B12E82A95}" type="datetimeFigureOut">
               <a:rPr kumimoji="1" lang="zh-CN" altLang="en-US" smtClean="0"/>
-              <a:t>2023/2/15</a:t>
+              <a:t>2023/2/16</a:t>
             </a:fld>
             <a:endParaRPr kumimoji="1" lang="zh-CN" altLang="en-US"/>
           </a:p>
@@ -1819,7 +1824,7 @@
           <a:p>
             <a:fld id="{B7AF1550-31E0-4A48-B58F-A46B12E82A95}" type="datetimeFigureOut">
               <a:rPr kumimoji="1" lang="zh-CN" altLang="en-US" smtClean="0"/>
-              <a:t>2023/2/15</a:t>
+              <a:t>2023/2/16</a:t>
             </a:fld>
             <a:endParaRPr kumimoji="1" lang="zh-CN" altLang="en-US"/>
           </a:p>
@@ -1960,7 +1965,7 @@
           <a:p>
             <a:fld id="{B7AF1550-31E0-4A48-B58F-A46B12E82A95}" type="datetimeFigureOut">
               <a:rPr kumimoji="1" lang="zh-CN" altLang="en-US" smtClean="0"/>
-              <a:t>2023/2/15</a:t>
+              <a:t>2023/2/16</a:t>
             </a:fld>
             <a:endParaRPr kumimoji="1" lang="zh-CN" altLang="en-US"/>
           </a:p>
@@ -2073,7 +2078,7 @@
           <a:p>
             <a:fld id="{B7AF1550-31E0-4A48-B58F-A46B12E82A95}" type="datetimeFigureOut">
               <a:rPr kumimoji="1" lang="zh-CN" altLang="en-US" smtClean="0"/>
-              <a:t>2023/2/15</a:t>
+              <a:t>2023/2/16</a:t>
             </a:fld>
             <a:endParaRPr kumimoji="1" lang="zh-CN" altLang="en-US"/>
           </a:p>
@@ -2384,7 +2389,7 @@
           <a:p>
             <a:fld id="{B7AF1550-31E0-4A48-B58F-A46B12E82A95}" type="datetimeFigureOut">
               <a:rPr kumimoji="1" lang="zh-CN" altLang="en-US" smtClean="0"/>
-              <a:t>2023/2/15</a:t>
+              <a:t>2023/2/16</a:t>
             </a:fld>
             <a:endParaRPr kumimoji="1" lang="zh-CN" altLang="en-US"/>
           </a:p>
@@ -2672,7 +2677,7 @@
           <a:p>
             <a:fld id="{B7AF1550-31E0-4A48-B58F-A46B12E82A95}" type="datetimeFigureOut">
               <a:rPr kumimoji="1" lang="zh-CN" altLang="en-US" smtClean="0"/>
-              <a:t>2023/2/15</a:t>
+              <a:t>2023/2/16</a:t>
             </a:fld>
             <a:endParaRPr kumimoji="1" lang="zh-CN" altLang="en-US"/>
           </a:p>
@@ -2913,7 +2918,7 @@
           <a:p>
             <a:fld id="{B7AF1550-31E0-4A48-B58F-A46B12E82A95}" type="datetimeFigureOut">
               <a:rPr kumimoji="1" lang="zh-CN" altLang="en-US" smtClean="0"/>
-              <a:t>2023/2/15</a:t>
+              <a:t>2023/2/16</a:t>
             </a:fld>
             <a:endParaRPr kumimoji="1" lang="zh-CN" altLang="en-US"/>
           </a:p>
@@ -3475,21 +3480,21 @@
                 <a:effectLst/>
                 <a:latin typeface="Roboto" panose="02000000000000000000" pitchFamily="2" charset="0"/>
               </a:rPr>
-              <a:t>A method is overridden, not the data members, </a:t>
-            </a:r>
-            <a:r>
-              <a:rPr lang="en" altLang="zh-CN" b="0" i="0" dirty="0" err="1">
+              <a:t>A method is overridden, not the data members</a:t>
+            </a:r>
+            <a:r>
+              <a:rPr lang="en" altLang="zh-CN" b="0" i="0">
                 <a:effectLst/>
                 <a:latin typeface="Roboto" panose="02000000000000000000" pitchFamily="2" charset="0"/>
               </a:rPr>
-              <a:t>sp</a:t>
+              <a:t>, so </a:t>
             </a:r>
             <a:r>
               <a:rPr lang="en" altLang="zh-CN" b="0" i="0" dirty="0">
                 <a:effectLst/>
                 <a:latin typeface="Roboto" panose="02000000000000000000" pitchFamily="2" charset="0"/>
               </a:rPr>
-              <a:t> runtime polymorphism cannot achieved by data members in java.</a:t>
+              <a:t>runtime polymorphism cannot achieved by data members in java.</a:t>
             </a:r>
             <a:endParaRPr kumimoji="1" lang="zh-CN" altLang="en-US" dirty="0"/>
           </a:p>

--- a/Java Basics/Java Basics 5.pptx
+++ b/Java Basics/Java Basics 5.pptx
@@ -4,17 +4,23 @@
   <p:sldMasterIdLst>
     <p:sldMasterId id="2147483648" r:id="rId1"/>
   </p:sldMasterIdLst>
+  <p:notesMasterIdLst>
+    <p:notesMasterId r:id="rId15"/>
+  </p:notesMasterIdLst>
   <p:sldIdLst>
     <p:sldId id="256" r:id="rId2"/>
-    <p:sldId id="258" r:id="rId3"/>
-    <p:sldId id="257" r:id="rId4"/>
-    <p:sldId id="259" r:id="rId5"/>
-    <p:sldId id="260" r:id="rId6"/>
-    <p:sldId id="261" r:id="rId7"/>
-    <p:sldId id="262" r:id="rId8"/>
-    <p:sldId id="263" r:id="rId9"/>
-    <p:sldId id="264" r:id="rId10"/>
-    <p:sldId id="265" r:id="rId11"/>
+    <p:sldId id="268" r:id="rId3"/>
+    <p:sldId id="267" r:id="rId4"/>
+    <p:sldId id="266" r:id="rId5"/>
+    <p:sldId id="258" r:id="rId6"/>
+    <p:sldId id="257" r:id="rId7"/>
+    <p:sldId id="259" r:id="rId8"/>
+    <p:sldId id="260" r:id="rId9"/>
+    <p:sldId id="261" r:id="rId10"/>
+    <p:sldId id="262" r:id="rId11"/>
+    <p:sldId id="263" r:id="rId12"/>
+    <p:sldId id="264" r:id="rId13"/>
+    <p:sldId id="265" r:id="rId14"/>
   </p:sldIdLst>
   <p:sldSz cx="12192000" cy="6858000"/>
   <p:notesSz cx="6858000" cy="9144000"/>
@@ -121,6 +127,439 @@
 </p:presentation>
 </file>
 
+<file path=ppt/notesMasters/notesMaster1.xml><?xml version="1.0" encoding="utf-8"?>
+<p:notesMaster xmlns:a="http://schemas.openxmlformats.org/drawingml/2006/main" xmlns:r="http://schemas.openxmlformats.org/officeDocument/2006/relationships" xmlns:p="http://schemas.openxmlformats.org/presentationml/2006/main">
+  <p:cSld>
+    <p:bg>
+      <p:bgRef idx="1001">
+        <a:schemeClr val="bg1"/>
+      </p:bgRef>
+    </p:bg>
+    <p:spTree>
+      <p:nvGrpSpPr>
+        <p:cNvPr id="1" name=""/>
+        <p:cNvGrpSpPr/>
+        <p:nvPr/>
+      </p:nvGrpSpPr>
+      <p:grpSpPr>
+        <a:xfrm>
+          <a:off x="0" y="0"/>
+          <a:ext cx="0" cy="0"/>
+          <a:chOff x="0" y="0"/>
+          <a:chExt cx="0" cy="0"/>
+        </a:xfrm>
+      </p:grpSpPr>
+      <p:sp>
+        <p:nvSpPr>
+          <p:cNvPr id="2" name="页眉占位符 1"/>
+          <p:cNvSpPr>
+            <a:spLocks noGrp="1"/>
+          </p:cNvSpPr>
+          <p:nvPr>
+            <p:ph type="hdr" sz="quarter"/>
+          </p:nvPr>
+        </p:nvSpPr>
+        <p:spPr>
+          <a:xfrm>
+            <a:off x="0" y="0"/>
+            <a:ext cx="2971800" cy="458788"/>
+          </a:xfrm>
+          <a:prstGeom prst="rect">
+            <a:avLst/>
+          </a:prstGeom>
+        </p:spPr>
+        <p:txBody>
+          <a:bodyPr vert="horz" lIns="91440" tIns="45720" rIns="91440" bIns="45720" rtlCol="0"/>
+          <a:lstStyle>
+            <a:lvl1pPr algn="l">
+              <a:defRPr sz="1200"/>
+            </a:lvl1pPr>
+          </a:lstStyle>
+          <a:p>
+            <a:endParaRPr kumimoji="1" lang="zh-CN" altLang="en-US"/>
+          </a:p>
+        </p:txBody>
+      </p:sp>
+      <p:sp>
+        <p:nvSpPr>
+          <p:cNvPr id="3" name="日期占位符 2"/>
+          <p:cNvSpPr>
+            <a:spLocks noGrp="1"/>
+          </p:cNvSpPr>
+          <p:nvPr>
+            <p:ph type="dt" idx="1"/>
+          </p:nvPr>
+        </p:nvSpPr>
+        <p:spPr>
+          <a:xfrm>
+            <a:off x="3884613" y="0"/>
+            <a:ext cx="2971800" cy="458788"/>
+          </a:xfrm>
+          <a:prstGeom prst="rect">
+            <a:avLst/>
+          </a:prstGeom>
+        </p:spPr>
+        <p:txBody>
+          <a:bodyPr vert="horz" lIns="91440" tIns="45720" rIns="91440" bIns="45720" rtlCol="0"/>
+          <a:lstStyle>
+            <a:lvl1pPr algn="r">
+              <a:defRPr sz="1200"/>
+            </a:lvl1pPr>
+          </a:lstStyle>
+          <a:p>
+            <a:fld id="{D02502AA-461A-5846-A961-E592B1889083}" type="datetimeFigureOut">
+              <a:rPr kumimoji="1" lang="zh-CN" altLang="en-US" smtClean="0"/>
+              <a:t>2023/3/17</a:t>
+            </a:fld>
+            <a:endParaRPr kumimoji="1" lang="zh-CN" altLang="en-US"/>
+          </a:p>
+        </p:txBody>
+      </p:sp>
+      <p:sp>
+        <p:nvSpPr>
+          <p:cNvPr id="4" name="幻灯片图像占位符 3"/>
+          <p:cNvSpPr>
+            <a:spLocks noGrp="1" noRot="1" noChangeAspect="1"/>
+          </p:cNvSpPr>
+          <p:nvPr>
+            <p:ph type="sldImg" idx="2"/>
+          </p:nvPr>
+        </p:nvSpPr>
+        <p:spPr>
+          <a:xfrm>
+            <a:off x="685800" y="1143000"/>
+            <a:ext cx="5486400" cy="3086100"/>
+          </a:xfrm>
+          <a:prstGeom prst="rect">
+            <a:avLst/>
+          </a:prstGeom>
+          <a:noFill/>
+          <a:ln w="12700">
+            <a:solidFill>
+              <a:prstClr val="black"/>
+            </a:solidFill>
+          </a:ln>
+        </p:spPr>
+        <p:txBody>
+          <a:bodyPr vert="horz" lIns="91440" tIns="45720" rIns="91440" bIns="45720" rtlCol="0" anchor="ctr"/>
+          <a:lstStyle/>
+          <a:p>
+            <a:endParaRPr lang="zh-CN" altLang="en-US"/>
+          </a:p>
+        </p:txBody>
+      </p:sp>
+      <p:sp>
+        <p:nvSpPr>
+          <p:cNvPr id="5" name="备注占位符 4"/>
+          <p:cNvSpPr>
+            <a:spLocks noGrp="1"/>
+          </p:cNvSpPr>
+          <p:nvPr>
+            <p:ph type="body" sz="quarter" idx="3"/>
+          </p:nvPr>
+        </p:nvSpPr>
+        <p:spPr>
+          <a:xfrm>
+            <a:off x="685800" y="4400550"/>
+            <a:ext cx="5486400" cy="3600450"/>
+          </a:xfrm>
+          <a:prstGeom prst="rect">
+            <a:avLst/>
+          </a:prstGeom>
+        </p:spPr>
+        <p:txBody>
+          <a:bodyPr vert="horz" lIns="91440" tIns="45720" rIns="91440" bIns="45720" rtlCol="0"/>
+          <a:lstStyle/>
+          <a:p>
+            <a:pPr lvl="0"/>
+            <a:r>
+              <a:rPr kumimoji="1" lang="zh-CN" altLang="en-US"/>
+              <a:t>单击此处编辑母版文本样式</a:t>
+            </a:r>
+          </a:p>
+          <a:p>
+            <a:pPr lvl="1"/>
+            <a:r>
+              <a:rPr kumimoji="1" lang="zh-CN" altLang="en-US"/>
+              <a:t>二级</a:t>
+            </a:r>
+          </a:p>
+          <a:p>
+            <a:pPr lvl="2"/>
+            <a:r>
+              <a:rPr kumimoji="1" lang="zh-CN" altLang="en-US"/>
+              <a:t>三级</a:t>
+            </a:r>
+          </a:p>
+          <a:p>
+            <a:pPr lvl="3"/>
+            <a:r>
+              <a:rPr kumimoji="1" lang="zh-CN" altLang="en-US"/>
+              <a:t>四级</a:t>
+            </a:r>
+          </a:p>
+          <a:p>
+            <a:pPr lvl="4"/>
+            <a:r>
+              <a:rPr kumimoji="1" lang="zh-CN" altLang="en-US"/>
+              <a:t>五级</a:t>
+            </a:r>
+          </a:p>
+        </p:txBody>
+      </p:sp>
+      <p:sp>
+        <p:nvSpPr>
+          <p:cNvPr id="6" name="页脚占位符 5"/>
+          <p:cNvSpPr>
+            <a:spLocks noGrp="1"/>
+          </p:cNvSpPr>
+          <p:nvPr>
+            <p:ph type="ftr" sz="quarter" idx="4"/>
+          </p:nvPr>
+        </p:nvSpPr>
+        <p:spPr>
+          <a:xfrm>
+            <a:off x="0" y="8685213"/>
+            <a:ext cx="2971800" cy="458787"/>
+          </a:xfrm>
+          <a:prstGeom prst="rect">
+            <a:avLst/>
+          </a:prstGeom>
+        </p:spPr>
+        <p:txBody>
+          <a:bodyPr vert="horz" lIns="91440" tIns="45720" rIns="91440" bIns="45720" rtlCol="0" anchor="b"/>
+          <a:lstStyle>
+            <a:lvl1pPr algn="l">
+              <a:defRPr sz="1200"/>
+            </a:lvl1pPr>
+          </a:lstStyle>
+          <a:p>
+            <a:endParaRPr kumimoji="1" lang="zh-CN" altLang="en-US"/>
+          </a:p>
+        </p:txBody>
+      </p:sp>
+      <p:sp>
+        <p:nvSpPr>
+          <p:cNvPr id="7" name="灯片编号占位符 6"/>
+          <p:cNvSpPr>
+            <a:spLocks noGrp="1"/>
+          </p:cNvSpPr>
+          <p:nvPr>
+            <p:ph type="sldNum" sz="quarter" idx="5"/>
+          </p:nvPr>
+        </p:nvSpPr>
+        <p:spPr>
+          <a:xfrm>
+            <a:off x="3884613" y="8685213"/>
+            <a:ext cx="2971800" cy="458787"/>
+          </a:xfrm>
+          <a:prstGeom prst="rect">
+            <a:avLst/>
+          </a:prstGeom>
+        </p:spPr>
+        <p:txBody>
+          <a:bodyPr vert="horz" lIns="91440" tIns="45720" rIns="91440" bIns="45720" rtlCol="0" anchor="b"/>
+          <a:lstStyle>
+            <a:lvl1pPr algn="r">
+              <a:defRPr sz="1200"/>
+            </a:lvl1pPr>
+          </a:lstStyle>
+          <a:p>
+            <a:fld id="{B652B2CD-4A77-9741-872B-00AFDE369E83}" type="slidenum">
+              <a:rPr kumimoji="1" lang="zh-CN" altLang="en-US" smtClean="0"/>
+              <a:t>‹#›</a:t>
+            </a:fld>
+            <a:endParaRPr kumimoji="1" lang="zh-CN" altLang="en-US"/>
+          </a:p>
+        </p:txBody>
+      </p:sp>
+    </p:spTree>
+    <p:extLst>
+      <p:ext uri="{BB962C8B-B14F-4D97-AF65-F5344CB8AC3E}">
+        <p14:creationId xmlns:p14="http://schemas.microsoft.com/office/powerpoint/2010/main" val="4264328971"/>
+      </p:ext>
+    </p:extLst>
+  </p:cSld>
+  <p:clrMap bg1="lt1" tx1="dk1" bg2="lt2" tx2="dk2" accent1="accent1" accent2="accent2" accent3="accent3" accent4="accent4" accent5="accent5" accent6="accent6" hlink="hlink" folHlink="folHlink"/>
+  <p:notesStyle>
+    <a:lvl1pPr marL="0" algn="l" defTabSz="914400" rtl="0" eaLnBrk="1" latinLnBrk="0" hangingPunct="1">
+      <a:defRPr sz="1200" kern="1200">
+        <a:solidFill>
+          <a:schemeClr val="tx1"/>
+        </a:solidFill>
+        <a:latin typeface="+mn-lt"/>
+        <a:ea typeface="+mn-ea"/>
+        <a:cs typeface="+mn-cs"/>
+      </a:defRPr>
+    </a:lvl1pPr>
+    <a:lvl2pPr marL="457200" algn="l" defTabSz="914400" rtl="0" eaLnBrk="1" latinLnBrk="0" hangingPunct="1">
+      <a:defRPr sz="1200" kern="1200">
+        <a:solidFill>
+          <a:schemeClr val="tx1"/>
+        </a:solidFill>
+        <a:latin typeface="+mn-lt"/>
+        <a:ea typeface="+mn-ea"/>
+        <a:cs typeface="+mn-cs"/>
+      </a:defRPr>
+    </a:lvl2pPr>
+    <a:lvl3pPr marL="914400" algn="l" defTabSz="914400" rtl="0" eaLnBrk="1" latinLnBrk="0" hangingPunct="1">
+      <a:defRPr sz="1200" kern="1200">
+        <a:solidFill>
+          <a:schemeClr val="tx1"/>
+        </a:solidFill>
+        <a:latin typeface="+mn-lt"/>
+        <a:ea typeface="+mn-ea"/>
+        <a:cs typeface="+mn-cs"/>
+      </a:defRPr>
+    </a:lvl3pPr>
+    <a:lvl4pPr marL="1371600" algn="l" defTabSz="914400" rtl="0" eaLnBrk="1" latinLnBrk="0" hangingPunct="1">
+      <a:defRPr sz="1200" kern="1200">
+        <a:solidFill>
+          <a:schemeClr val="tx1"/>
+        </a:solidFill>
+        <a:latin typeface="+mn-lt"/>
+        <a:ea typeface="+mn-ea"/>
+        <a:cs typeface="+mn-cs"/>
+      </a:defRPr>
+    </a:lvl4pPr>
+    <a:lvl5pPr marL="1828800" algn="l" defTabSz="914400" rtl="0" eaLnBrk="1" latinLnBrk="0" hangingPunct="1">
+      <a:defRPr sz="1200" kern="1200">
+        <a:solidFill>
+          <a:schemeClr val="tx1"/>
+        </a:solidFill>
+        <a:latin typeface="+mn-lt"/>
+        <a:ea typeface="+mn-ea"/>
+        <a:cs typeface="+mn-cs"/>
+      </a:defRPr>
+    </a:lvl5pPr>
+    <a:lvl6pPr marL="2286000" algn="l" defTabSz="914400" rtl="0" eaLnBrk="1" latinLnBrk="0" hangingPunct="1">
+      <a:defRPr sz="1200" kern="1200">
+        <a:solidFill>
+          <a:schemeClr val="tx1"/>
+        </a:solidFill>
+        <a:latin typeface="+mn-lt"/>
+        <a:ea typeface="+mn-ea"/>
+        <a:cs typeface="+mn-cs"/>
+      </a:defRPr>
+    </a:lvl6pPr>
+    <a:lvl7pPr marL="2743200" algn="l" defTabSz="914400" rtl="0" eaLnBrk="1" latinLnBrk="0" hangingPunct="1">
+      <a:defRPr sz="1200" kern="1200">
+        <a:solidFill>
+          <a:schemeClr val="tx1"/>
+        </a:solidFill>
+        <a:latin typeface="+mn-lt"/>
+        <a:ea typeface="+mn-ea"/>
+        <a:cs typeface="+mn-cs"/>
+      </a:defRPr>
+    </a:lvl7pPr>
+    <a:lvl8pPr marL="3200400" algn="l" defTabSz="914400" rtl="0" eaLnBrk="1" latinLnBrk="0" hangingPunct="1">
+      <a:defRPr sz="1200" kern="1200">
+        <a:solidFill>
+          <a:schemeClr val="tx1"/>
+        </a:solidFill>
+        <a:latin typeface="+mn-lt"/>
+        <a:ea typeface="+mn-ea"/>
+        <a:cs typeface="+mn-cs"/>
+      </a:defRPr>
+    </a:lvl8pPr>
+    <a:lvl9pPr marL="3657600" algn="l" defTabSz="914400" rtl="0" eaLnBrk="1" latinLnBrk="0" hangingPunct="1">
+      <a:defRPr sz="1200" kern="1200">
+        <a:solidFill>
+          <a:schemeClr val="tx1"/>
+        </a:solidFill>
+        <a:latin typeface="+mn-lt"/>
+        <a:ea typeface="+mn-ea"/>
+        <a:cs typeface="+mn-cs"/>
+      </a:defRPr>
+    </a:lvl9pPr>
+  </p:notesStyle>
+</p:notesMaster>
+</file>
+
+<file path=ppt/notesSlides/notesSlide1.xml><?xml version="1.0" encoding="utf-8"?>
+<p:notes xmlns:a="http://schemas.openxmlformats.org/drawingml/2006/main" xmlns:r="http://schemas.openxmlformats.org/officeDocument/2006/relationships" xmlns:p="http://schemas.openxmlformats.org/presentationml/2006/main">
+  <p:cSld>
+    <p:spTree>
+      <p:nvGrpSpPr>
+        <p:cNvPr id="1" name=""/>
+        <p:cNvGrpSpPr/>
+        <p:nvPr/>
+      </p:nvGrpSpPr>
+      <p:grpSpPr>
+        <a:xfrm>
+          <a:off x="0" y="0"/>
+          <a:ext cx="0" cy="0"/>
+          <a:chOff x="0" y="0"/>
+          <a:chExt cx="0" cy="0"/>
+        </a:xfrm>
+      </p:grpSpPr>
+      <p:sp>
+        <p:nvSpPr>
+          <p:cNvPr id="2" name="幻灯片图像占位符 1"/>
+          <p:cNvSpPr>
+            <a:spLocks noGrp="1" noRot="1" noChangeAspect="1"/>
+          </p:cNvSpPr>
+          <p:nvPr>
+            <p:ph type="sldImg"/>
+          </p:nvPr>
+        </p:nvSpPr>
+        <p:spPr/>
+      </p:sp>
+      <p:sp>
+        <p:nvSpPr>
+          <p:cNvPr id="3" name="备注占位符 2"/>
+          <p:cNvSpPr>
+            <a:spLocks noGrp="1"/>
+          </p:cNvSpPr>
+          <p:nvPr>
+            <p:ph type="body" idx="1"/>
+          </p:nvPr>
+        </p:nvSpPr>
+        <p:spPr/>
+        <p:txBody>
+          <a:bodyPr/>
+          <a:lstStyle/>
+          <a:p>
+            <a:endParaRPr kumimoji="1" lang="zh-CN" altLang="en-US" dirty="0"/>
+          </a:p>
+        </p:txBody>
+      </p:sp>
+      <p:sp>
+        <p:nvSpPr>
+          <p:cNvPr id="4" name="灯片编号占位符 3"/>
+          <p:cNvSpPr>
+            <a:spLocks noGrp="1"/>
+          </p:cNvSpPr>
+          <p:nvPr>
+            <p:ph type="sldNum" sz="quarter" idx="5"/>
+          </p:nvPr>
+        </p:nvSpPr>
+        <p:spPr/>
+        <p:txBody>
+          <a:bodyPr/>
+          <a:lstStyle/>
+          <a:p>
+            <a:fld id="{B652B2CD-4A77-9741-872B-00AFDE369E83}" type="slidenum">
+              <a:rPr kumimoji="1" lang="zh-CN" altLang="en-US" smtClean="0"/>
+              <a:t>3</a:t>
+            </a:fld>
+            <a:endParaRPr kumimoji="1" lang="zh-CN" altLang="en-US"/>
+          </a:p>
+        </p:txBody>
+      </p:sp>
+    </p:spTree>
+    <p:extLst>
+      <p:ext uri="{BB962C8B-B14F-4D97-AF65-F5344CB8AC3E}">
+        <p14:creationId xmlns:p14="http://schemas.microsoft.com/office/powerpoint/2010/main" val="1065062636"/>
+      </p:ext>
+    </p:extLst>
+  </p:cSld>
+  <p:clrMapOvr>
+    <a:masterClrMapping/>
+  </p:clrMapOvr>
+</p:notes>
+</file>
+
 <file path=ppt/slideLayouts/slideLayout1.xml><?xml version="1.0" encoding="utf-8"?>
 <p:sldLayout xmlns:a="http://schemas.openxmlformats.org/drawingml/2006/main" xmlns:r="http://schemas.openxmlformats.org/officeDocument/2006/relationships" xmlns:p="http://schemas.openxmlformats.org/presentationml/2006/main" type="title" preserve="1">
   <p:cSld name="标题幻灯片">
@@ -268,7 +707,7 @@
           <a:p>
             <a:fld id="{B7AF1550-31E0-4A48-B58F-A46B12E82A95}" type="datetimeFigureOut">
               <a:rPr kumimoji="1" lang="zh-CN" altLang="en-US" smtClean="0"/>
-              <a:t>2023/2/16</a:t>
+              <a:t>2023/3/17</a:t>
             </a:fld>
             <a:endParaRPr kumimoji="1" lang="zh-CN" altLang="en-US"/>
           </a:p>
@@ -466,7 +905,7 @@
           <a:p>
             <a:fld id="{B7AF1550-31E0-4A48-B58F-A46B12E82A95}" type="datetimeFigureOut">
               <a:rPr kumimoji="1" lang="zh-CN" altLang="en-US" smtClean="0"/>
-              <a:t>2023/2/16</a:t>
+              <a:t>2023/3/17</a:t>
             </a:fld>
             <a:endParaRPr kumimoji="1" lang="zh-CN" altLang="en-US"/>
           </a:p>
@@ -674,7 +1113,7 @@
           <a:p>
             <a:fld id="{B7AF1550-31E0-4A48-B58F-A46B12E82A95}" type="datetimeFigureOut">
               <a:rPr kumimoji="1" lang="zh-CN" altLang="en-US" smtClean="0"/>
-              <a:t>2023/2/16</a:t>
+              <a:t>2023/3/17</a:t>
             </a:fld>
             <a:endParaRPr kumimoji="1" lang="zh-CN" altLang="en-US"/>
           </a:p>
@@ -872,7 +1311,7 @@
           <a:p>
             <a:fld id="{B7AF1550-31E0-4A48-B58F-A46B12E82A95}" type="datetimeFigureOut">
               <a:rPr kumimoji="1" lang="zh-CN" altLang="en-US" smtClean="0"/>
-              <a:t>2023/2/16</a:t>
+              <a:t>2023/3/17</a:t>
             </a:fld>
             <a:endParaRPr kumimoji="1" lang="zh-CN" altLang="en-US"/>
           </a:p>
@@ -1147,7 +1586,7 @@
           <a:p>
             <a:fld id="{B7AF1550-31E0-4A48-B58F-A46B12E82A95}" type="datetimeFigureOut">
               <a:rPr kumimoji="1" lang="zh-CN" altLang="en-US" smtClean="0"/>
-              <a:t>2023/2/16</a:t>
+              <a:t>2023/3/17</a:t>
             </a:fld>
             <a:endParaRPr kumimoji="1" lang="zh-CN" altLang="en-US"/>
           </a:p>
@@ -1412,7 +1851,7 @@
           <a:p>
             <a:fld id="{B7AF1550-31E0-4A48-B58F-A46B12E82A95}" type="datetimeFigureOut">
               <a:rPr kumimoji="1" lang="zh-CN" altLang="en-US" smtClean="0"/>
-              <a:t>2023/2/16</a:t>
+              <a:t>2023/3/17</a:t>
             </a:fld>
             <a:endParaRPr kumimoji="1" lang="zh-CN" altLang="en-US"/>
           </a:p>
@@ -1824,7 +2263,7 @@
           <a:p>
             <a:fld id="{B7AF1550-31E0-4A48-B58F-A46B12E82A95}" type="datetimeFigureOut">
               <a:rPr kumimoji="1" lang="zh-CN" altLang="en-US" smtClean="0"/>
-              <a:t>2023/2/16</a:t>
+              <a:t>2023/3/17</a:t>
             </a:fld>
             <a:endParaRPr kumimoji="1" lang="zh-CN" altLang="en-US"/>
           </a:p>
@@ -1965,7 +2404,7 @@
           <a:p>
             <a:fld id="{B7AF1550-31E0-4A48-B58F-A46B12E82A95}" type="datetimeFigureOut">
               <a:rPr kumimoji="1" lang="zh-CN" altLang="en-US" smtClean="0"/>
-              <a:t>2023/2/16</a:t>
+              <a:t>2023/3/17</a:t>
             </a:fld>
             <a:endParaRPr kumimoji="1" lang="zh-CN" altLang="en-US"/>
           </a:p>
@@ -2078,7 +2517,7 @@
           <a:p>
             <a:fld id="{B7AF1550-31E0-4A48-B58F-A46B12E82A95}" type="datetimeFigureOut">
               <a:rPr kumimoji="1" lang="zh-CN" altLang="en-US" smtClean="0"/>
-              <a:t>2023/2/16</a:t>
+              <a:t>2023/3/17</a:t>
             </a:fld>
             <a:endParaRPr kumimoji="1" lang="zh-CN" altLang="en-US"/>
           </a:p>
@@ -2389,7 +2828,7 @@
           <a:p>
             <a:fld id="{B7AF1550-31E0-4A48-B58F-A46B12E82A95}" type="datetimeFigureOut">
               <a:rPr kumimoji="1" lang="zh-CN" altLang="en-US" smtClean="0"/>
-              <a:t>2023/2/16</a:t>
+              <a:t>2023/3/17</a:t>
             </a:fld>
             <a:endParaRPr kumimoji="1" lang="zh-CN" altLang="en-US"/>
           </a:p>
@@ -2677,7 +3116,7 @@
           <a:p>
             <a:fld id="{B7AF1550-31E0-4A48-B58F-A46B12E82A95}" type="datetimeFigureOut">
               <a:rPr kumimoji="1" lang="zh-CN" altLang="en-US" smtClean="0"/>
-              <a:t>2023/2/16</a:t>
+              <a:t>2023/3/17</a:t>
             </a:fld>
             <a:endParaRPr kumimoji="1" lang="zh-CN" altLang="en-US"/>
           </a:p>
@@ -2918,7 +3357,7 @@
           <a:p>
             <a:fld id="{B7AF1550-31E0-4A48-B58F-A46B12E82A95}" type="datetimeFigureOut">
               <a:rPr kumimoji="1" lang="zh-CN" altLang="en-US" smtClean="0"/>
-              <a:t>2023/2/16</a:t>
+              <a:t>2023/3/17</a:t>
             </a:fld>
             <a:endParaRPr kumimoji="1" lang="zh-CN" altLang="en-US"/>
           </a:p>
@@ -3428,6 +3867,284 @@
           <p:cNvPr id="2" name="标题 1">
             <a:extLst>
               <a:ext uri="{FF2B5EF4-FFF2-40B4-BE49-F238E27FC236}">
+                <a16:creationId xmlns:a16="http://schemas.microsoft.com/office/drawing/2014/main" id="{C87A22B3-6FF9-4A4C-88D0-31A5986167B1}"/>
+              </a:ext>
+            </a:extLst>
+          </p:cNvPr>
+          <p:cNvSpPr>
+            <a:spLocks noGrp="1"/>
+          </p:cNvSpPr>
+          <p:nvPr>
+            <p:ph type="title"/>
+          </p:nvPr>
+        </p:nvSpPr>
+        <p:spPr/>
+        <p:txBody>
+          <a:bodyPr/>
+          <a:lstStyle/>
+          <a:p>
+            <a:r>
+              <a:rPr kumimoji="1" lang="en" altLang="zh-CN" dirty="0"/>
+              <a:t>50. Does Java allow virtual functions?</a:t>
+            </a:r>
+            <a:endParaRPr kumimoji="1" lang="zh-CN" altLang="en-US" dirty="0"/>
+          </a:p>
+        </p:txBody>
+      </p:sp>
+      <p:sp>
+        <p:nvSpPr>
+          <p:cNvPr id="3" name="内容占位符 2">
+            <a:extLst>
+              <a:ext uri="{FF2B5EF4-FFF2-40B4-BE49-F238E27FC236}">
+                <a16:creationId xmlns:a16="http://schemas.microsoft.com/office/drawing/2014/main" id="{458D5C9E-D15A-7B49-8918-D43460A13747}"/>
+              </a:ext>
+            </a:extLst>
+          </p:cNvPr>
+          <p:cNvSpPr>
+            <a:spLocks noGrp="1"/>
+          </p:cNvSpPr>
+          <p:nvPr>
+            <p:ph idx="1"/>
+          </p:nvPr>
+        </p:nvSpPr>
+        <p:spPr/>
+        <p:txBody>
+          <a:bodyPr/>
+          <a:lstStyle/>
+          <a:p>
+            <a:r>
+              <a:rPr lang="en" altLang="zh-CN" b="0" i="0" dirty="0">
+                <a:solidFill>
+                  <a:srgbClr val="333333"/>
+                </a:solidFill>
+                <a:effectLst/>
+                <a:latin typeface="inter-regular"/>
+              </a:rPr>
+              <a:t>By default, all the instance methods in Java are considered as the Virtual function except final, static, and private methods as these methods can be used to achieve polymorphism.</a:t>
+            </a:r>
+            <a:endParaRPr kumimoji="1" lang="zh-CN" altLang="en-US" dirty="0"/>
+          </a:p>
+        </p:txBody>
+      </p:sp>
+    </p:spTree>
+    <p:extLst>
+      <p:ext uri="{BB962C8B-B14F-4D97-AF65-F5344CB8AC3E}">
+        <p14:creationId xmlns:p14="http://schemas.microsoft.com/office/powerpoint/2010/main" val="1423813232"/>
+      </p:ext>
+    </p:extLst>
+  </p:cSld>
+  <p:clrMapOvr>
+    <a:masterClrMapping/>
+  </p:clrMapOvr>
+</p:sld>
+</file>
+
+<file path=ppt/slides/slide11.xml><?xml version="1.0" encoding="utf-8"?>
+<p:sld xmlns:a="http://schemas.openxmlformats.org/drawingml/2006/main" xmlns:r="http://schemas.openxmlformats.org/officeDocument/2006/relationships" xmlns:p="http://schemas.openxmlformats.org/presentationml/2006/main">
+  <p:cSld>
+    <p:spTree>
+      <p:nvGrpSpPr>
+        <p:cNvPr id="1" name=""/>
+        <p:cNvGrpSpPr/>
+        <p:nvPr/>
+      </p:nvGrpSpPr>
+      <p:grpSpPr>
+        <a:xfrm>
+          <a:off x="0" y="0"/>
+          <a:ext cx="0" cy="0"/>
+          <a:chOff x="0" y="0"/>
+          <a:chExt cx="0" cy="0"/>
+        </a:xfrm>
+      </p:grpSpPr>
+      <p:sp>
+        <p:nvSpPr>
+          <p:cNvPr id="2" name="标题 1">
+            <a:extLst>
+              <a:ext uri="{FF2B5EF4-FFF2-40B4-BE49-F238E27FC236}">
+                <a16:creationId xmlns:a16="http://schemas.microsoft.com/office/drawing/2014/main" id="{3A7BF894-FADC-164D-AFC9-C6C78AAFDB01}"/>
+              </a:ext>
+            </a:extLst>
+          </p:cNvPr>
+          <p:cNvSpPr>
+            <a:spLocks noGrp="1"/>
+          </p:cNvSpPr>
+          <p:nvPr>
+            <p:ph type="title"/>
+          </p:nvPr>
+        </p:nvSpPr>
+        <p:spPr/>
+        <p:txBody>
+          <a:bodyPr>
+            <a:normAutofit/>
+          </a:bodyPr>
+          <a:lstStyle/>
+          <a:p>
+            <a:r>
+              <a:rPr kumimoji="1" lang="en" altLang="zh-CN" dirty="0"/>
+              <a:t>51. What is meant by covariant return type in Java?</a:t>
+            </a:r>
+            <a:endParaRPr kumimoji="1" lang="zh-CN" altLang="en-US" dirty="0"/>
+          </a:p>
+        </p:txBody>
+      </p:sp>
+      <p:sp>
+        <p:nvSpPr>
+          <p:cNvPr id="3" name="内容占位符 2">
+            <a:extLst>
+              <a:ext uri="{FF2B5EF4-FFF2-40B4-BE49-F238E27FC236}">
+                <a16:creationId xmlns:a16="http://schemas.microsoft.com/office/drawing/2014/main" id="{FE9E53EF-ED8A-144C-A598-5B9858389CE2}"/>
+              </a:ext>
+            </a:extLst>
+          </p:cNvPr>
+          <p:cNvSpPr>
+            <a:spLocks noGrp="1"/>
+          </p:cNvSpPr>
+          <p:nvPr>
+            <p:ph idx="1"/>
+          </p:nvPr>
+        </p:nvSpPr>
+        <p:spPr/>
+        <p:txBody>
+          <a:bodyPr/>
+          <a:lstStyle/>
+          <a:p>
+            <a:r>
+              <a:rPr lang="en" altLang="zh-CN" b="0" i="0" dirty="0">
+                <a:solidFill>
+                  <a:srgbClr val="000000"/>
+                </a:solidFill>
+                <a:effectLst/>
+                <a:latin typeface="Nunito" pitchFamily="2" charset="0"/>
+              </a:rPr>
+              <a:t>Covariant return type refers to return type of an overriding method. It allows to narrow down return type of an overridden method without any need to cast the type or check the return type. Covariant return type works only for non-primitive return types.</a:t>
+            </a:r>
+            <a:endParaRPr kumimoji="1" lang="zh-CN" altLang="en-US" dirty="0"/>
+          </a:p>
+        </p:txBody>
+      </p:sp>
+    </p:spTree>
+    <p:extLst>
+      <p:ext uri="{BB962C8B-B14F-4D97-AF65-F5344CB8AC3E}">
+        <p14:creationId xmlns:p14="http://schemas.microsoft.com/office/powerpoint/2010/main" val="2440945387"/>
+      </p:ext>
+    </p:extLst>
+  </p:cSld>
+  <p:clrMapOvr>
+    <a:masterClrMapping/>
+  </p:clrMapOvr>
+</p:sld>
+</file>
+
+<file path=ppt/slides/slide12.xml><?xml version="1.0" encoding="utf-8"?>
+<p:sld xmlns:a="http://schemas.openxmlformats.org/drawingml/2006/main" xmlns:r="http://schemas.openxmlformats.org/officeDocument/2006/relationships" xmlns:p="http://schemas.openxmlformats.org/presentationml/2006/main">
+  <p:cSld>
+    <p:spTree>
+      <p:nvGrpSpPr>
+        <p:cNvPr id="1" name=""/>
+        <p:cNvGrpSpPr/>
+        <p:nvPr/>
+      </p:nvGrpSpPr>
+      <p:grpSpPr>
+        <a:xfrm>
+          <a:off x="0" y="0"/>
+          <a:ext cx="0" cy="0"/>
+          <a:chOff x="0" y="0"/>
+          <a:chExt cx="0" cy="0"/>
+        </a:xfrm>
+      </p:grpSpPr>
+      <p:sp>
+        <p:nvSpPr>
+          <p:cNvPr id="2" name="标题 1">
+            <a:extLst>
+              <a:ext uri="{FF2B5EF4-FFF2-40B4-BE49-F238E27FC236}">
+                <a16:creationId xmlns:a16="http://schemas.microsoft.com/office/drawing/2014/main" id="{5DE401A5-93C9-4A49-A521-9E6C243F0EB9}"/>
+              </a:ext>
+            </a:extLst>
+          </p:cNvPr>
+          <p:cNvSpPr>
+            <a:spLocks noGrp="1"/>
+          </p:cNvSpPr>
+          <p:nvPr>
+            <p:ph type="title"/>
+          </p:nvPr>
+        </p:nvSpPr>
+        <p:spPr/>
+        <p:txBody>
+          <a:bodyPr/>
+          <a:lstStyle/>
+          <a:p>
+            <a:r>
+              <a:rPr kumimoji="1" lang="en" altLang="zh-CN" dirty="0"/>
+              <a:t>52. What is Runtime Polymorphism?</a:t>
+            </a:r>
+            <a:endParaRPr kumimoji="1" lang="zh-CN" altLang="en-US" dirty="0"/>
+          </a:p>
+        </p:txBody>
+      </p:sp>
+      <p:sp>
+        <p:nvSpPr>
+          <p:cNvPr id="3" name="内容占位符 2">
+            <a:extLst>
+              <a:ext uri="{FF2B5EF4-FFF2-40B4-BE49-F238E27FC236}">
+                <a16:creationId xmlns:a16="http://schemas.microsoft.com/office/drawing/2014/main" id="{04EE35F7-9915-2F45-B00D-FDE3F6B5BC6A}"/>
+              </a:ext>
+            </a:extLst>
+          </p:cNvPr>
+          <p:cNvSpPr>
+            <a:spLocks noGrp="1"/>
+          </p:cNvSpPr>
+          <p:nvPr>
+            <p:ph idx="1"/>
+          </p:nvPr>
+        </p:nvSpPr>
+        <p:spPr/>
+        <p:txBody>
+          <a:bodyPr/>
+          <a:lstStyle/>
+          <a:p>
+            <a:r>
+              <a:rPr kumimoji="1" lang="en-US" altLang="zh-CN" dirty="0"/>
+              <a:t>overriding</a:t>
+            </a:r>
+            <a:endParaRPr kumimoji="1" lang="zh-CN" altLang="en-US" dirty="0"/>
+          </a:p>
+        </p:txBody>
+      </p:sp>
+    </p:spTree>
+    <p:extLst>
+      <p:ext uri="{BB962C8B-B14F-4D97-AF65-F5344CB8AC3E}">
+        <p14:creationId xmlns:p14="http://schemas.microsoft.com/office/powerpoint/2010/main" val="650274606"/>
+      </p:ext>
+    </p:extLst>
+  </p:cSld>
+  <p:clrMapOvr>
+    <a:masterClrMapping/>
+  </p:clrMapOvr>
+</p:sld>
+</file>
+
+<file path=ppt/slides/slide13.xml><?xml version="1.0" encoding="utf-8"?>
+<p:sld xmlns:a="http://schemas.openxmlformats.org/drawingml/2006/main" xmlns:r="http://schemas.openxmlformats.org/officeDocument/2006/relationships" xmlns:p="http://schemas.openxmlformats.org/presentationml/2006/main">
+  <p:cSld>
+    <p:spTree>
+      <p:nvGrpSpPr>
+        <p:cNvPr id="1" name=""/>
+        <p:cNvGrpSpPr/>
+        <p:nvPr/>
+      </p:nvGrpSpPr>
+      <p:grpSpPr>
+        <a:xfrm>
+          <a:off x="0" y="0"/>
+          <a:ext cx="0" cy="0"/>
+          <a:chOff x="0" y="0"/>
+          <a:chExt cx="0" cy="0"/>
+        </a:xfrm>
+      </p:grpSpPr>
+      <p:sp>
+        <p:nvSpPr>
+          <p:cNvPr id="2" name="标题 1">
+            <a:extLst>
+              <a:ext uri="{FF2B5EF4-FFF2-40B4-BE49-F238E27FC236}">
                 <a16:creationId xmlns:a16="http://schemas.microsoft.com/office/drawing/2014/main" id="{C1464A96-0B60-044A-B9E9-74E517FB9372}"/>
               </a:ext>
             </a:extLst>
@@ -3535,7 +4252,7 @@
           <p:cNvPr id="2" name="标题 1">
             <a:extLst>
               <a:ext uri="{FF2B5EF4-FFF2-40B4-BE49-F238E27FC236}">
-                <a16:creationId xmlns:a16="http://schemas.microsoft.com/office/drawing/2014/main" id="{548B5427-9031-6249-AF78-FFDC80E501A2}"/>
+                <a16:creationId xmlns:a16="http://schemas.microsoft.com/office/drawing/2014/main" id="{B05B8549-7B0E-C844-80D8-5EB31B07FF69}"/>
               </a:ext>
             </a:extLst>
           </p:cNvPr>
@@ -3546,12 +4263,21 @@
             <p:ph type="title"/>
           </p:nvPr>
         </p:nvSpPr>
-        <p:spPr/>
-        <p:txBody>
-          <a:bodyPr/>
-          <a:lstStyle/>
-          <a:p>
-            <a:endParaRPr kumimoji="1" lang="zh-CN" altLang="en-US"/>
+        <p:spPr>
+          <a:xfrm>
+            <a:off x="499153" y="313754"/>
+            <a:ext cx="11983948" cy="1289015"/>
+          </a:xfrm>
+        </p:spPr>
+        <p:txBody>
+          <a:bodyPr/>
+          <a:lstStyle/>
+          <a:p>
+            <a:r>
+              <a:rPr kumimoji="1" lang="en-US" altLang="zh-CN" dirty="0"/>
+              <a:t>Difference between inheritance and overriding</a:t>
+            </a:r>
+            <a:endParaRPr kumimoji="1" lang="zh-CN" altLang="en-US" dirty="0"/>
           </a:p>
         </p:txBody>
       </p:sp>
@@ -3560,7 +4286,7 @@
           <p:cNvPr id="3" name="内容占位符 2">
             <a:extLst>
               <a:ext uri="{FF2B5EF4-FFF2-40B4-BE49-F238E27FC236}">
-                <a16:creationId xmlns:a16="http://schemas.microsoft.com/office/drawing/2014/main" id="{D906A225-DAE3-7947-BBEF-2BAEF0A617F7}"/>
+                <a16:creationId xmlns:a16="http://schemas.microsoft.com/office/drawing/2014/main" id="{D52F733E-B82A-C24F-995E-20ADFB9A41CE}"/>
               </a:ext>
             </a:extLst>
           </p:cNvPr>
@@ -3573,64 +4299,17 @@
         </p:nvSpPr>
         <p:spPr/>
         <p:txBody>
-          <a:bodyPr>
-            <a:normAutofit fontScale="92500" lnSpcReduction="10000"/>
-          </a:bodyPr>
-          <a:lstStyle/>
-          <a:p>
-            <a:r>
-              <a:rPr kumimoji="1" lang="en" altLang="zh-CN" dirty="0"/>
-              <a:t>54. Explain the difference between static and dynamic binding?</a:t>
-            </a:r>
-          </a:p>
-          <a:p>
-            <a:r>
-              <a:rPr kumimoji="1" lang="en" altLang="zh-CN" dirty="0"/>
-              <a:t>Abstraction</a:t>
-            </a:r>
-          </a:p>
-          <a:p>
-            <a:r>
-              <a:rPr kumimoji="1" lang="en" altLang="zh-CN" dirty="0"/>
-              <a:t>55. What is Abstraction in Object Oriented programming?</a:t>
-            </a:r>
-          </a:p>
-          <a:p>
-            <a:r>
-              <a:rPr kumimoji="1" lang="en" altLang="zh-CN" dirty="0"/>
-              <a:t>56. How is Abstraction different from Encapsulation?</a:t>
-            </a:r>
-          </a:p>
-          <a:p>
-            <a:r>
-              <a:rPr kumimoji="1" lang="en" altLang="zh-CN" dirty="0"/>
-              <a:t>57. What is an abstract class in Java?</a:t>
-            </a:r>
-          </a:p>
-          <a:p>
-            <a:r>
-              <a:rPr kumimoji="1" lang="en" altLang="zh-CN" dirty="0"/>
-              <a:t>58. Is it allowed to mark a method abstract method without marking the</a:t>
-            </a:r>
-          </a:p>
-          <a:p>
-            <a:r>
-              <a:rPr kumimoji="1" lang="en" altLang="zh-CN" dirty="0"/>
-              <a:t>class abstract?</a:t>
-            </a:r>
-          </a:p>
-          <a:p>
-            <a:r>
-              <a:rPr kumimoji="1" lang="en" altLang="zh-CN" dirty="0"/>
-              <a:t>59. Is it allowed to mark a method abstract as well as final?</a:t>
-            </a:r>
-          </a:p>
-          <a:p>
-            <a:r>
-              <a:rPr kumimoji="1" lang="en" altLang="zh-CN" dirty="0"/>
-              <a:t>60. Can we instantiate an abstract class in Java?</a:t>
-            </a:r>
-            <a:endParaRPr kumimoji="1" lang="zh-CN" altLang="en-US" dirty="0"/>
+          <a:bodyPr/>
+          <a:lstStyle/>
+          <a:p>
+            <a:r>
+              <a:rPr kumimoji="1" lang="en-US" altLang="zh-CN" dirty="0"/>
+              <a:t>In inheritance child </a:t>
+            </a:r>
+            <a:r>
+              <a:rPr kumimoji="1" lang="en-US" altLang="zh-CN"/>
+              <a:t>class reference can hold </a:t>
+            </a:r>
           </a:p>
           <a:p>
             <a:endParaRPr kumimoji="1" lang="zh-CN" altLang="en-US" dirty="0"/>
@@ -3640,7 +4319,7 @@
     </p:spTree>
     <p:extLst>
       <p:ext uri="{BB962C8B-B14F-4D97-AF65-F5344CB8AC3E}">
-        <p14:creationId xmlns:p14="http://schemas.microsoft.com/office/powerpoint/2010/main" val="612486774"/>
+        <p14:creationId xmlns:p14="http://schemas.microsoft.com/office/powerpoint/2010/main" val="1336880214"/>
       </p:ext>
     </p:extLst>
   </p:cSld>
@@ -3672,7 +4351,7 @@
           <p:cNvPr id="2" name="标题 1">
             <a:extLst>
               <a:ext uri="{FF2B5EF4-FFF2-40B4-BE49-F238E27FC236}">
-                <a16:creationId xmlns:a16="http://schemas.microsoft.com/office/drawing/2014/main" id="{F6C93731-4C72-2243-8B63-9800CABF87C2}"/>
+                <a16:creationId xmlns:a16="http://schemas.microsoft.com/office/drawing/2014/main" id="{7DB44344-3B59-A445-9E45-A8EF31A407F0}"/>
               </a:ext>
             </a:extLst>
           </p:cNvPr>
@@ -3697,7 +4376,7 @@
           <p:cNvPr id="3" name="内容占位符 2">
             <a:extLst>
               <a:ext uri="{FF2B5EF4-FFF2-40B4-BE49-F238E27FC236}">
-                <a16:creationId xmlns:a16="http://schemas.microsoft.com/office/drawing/2014/main" id="{A3625A33-3824-EF4E-9A91-039436557297}"/>
+                <a16:creationId xmlns:a16="http://schemas.microsoft.com/office/drawing/2014/main" id="{B3C133BC-DA8C-CF42-AA1E-C9A5748106EB}"/>
               </a:ext>
             </a:extLst>
           </p:cNvPr>
@@ -3710,85 +4389,49 @@
         </p:nvSpPr>
         <p:spPr/>
         <p:txBody>
-          <a:bodyPr>
-            <a:normAutofit fontScale="85000" lnSpcReduction="20000"/>
-          </a:bodyPr>
-          <a:lstStyle/>
-          <a:p>
-            <a:r>
-              <a:rPr kumimoji="1" lang="en" altLang="zh-CN" dirty="0"/>
-              <a:t>Set 5 :</a:t>
-            </a:r>
-          </a:p>
-          <a:p>
-            <a:r>
-              <a:rPr kumimoji="1" lang="en" altLang="zh-CN" dirty="0"/>
-              <a:t>47. Why Java does not allow overriding a static method?</a:t>
-            </a:r>
-          </a:p>
-          <a:p>
-            <a:r>
-              <a:rPr kumimoji="1" lang="en" altLang="zh-CN" dirty="0"/>
-              <a:t>48. Is it allowed to override an overloaded method?</a:t>
-            </a:r>
-          </a:p>
-          <a:p>
-            <a:r>
-              <a:rPr kumimoji="1" lang="en" altLang="zh-CN" dirty="0"/>
-              <a:t>49. What is the difference between method overloading and method</a:t>
-            </a:r>
-          </a:p>
-          <a:p>
-            <a:r>
-              <a:rPr kumimoji="1" lang="en" altLang="zh-CN" dirty="0"/>
-              <a:t>overriding in Java?</a:t>
-            </a:r>
-          </a:p>
-          <a:p>
-            <a:r>
-              <a:rPr kumimoji="1" lang="en" altLang="zh-CN" dirty="0"/>
-              <a:t>50. Does Java allow virtual functions?</a:t>
-            </a:r>
-          </a:p>
-          <a:p>
-            <a:r>
-              <a:rPr kumimoji="1" lang="en" altLang="zh-CN" dirty="0"/>
-              <a:t>51. What is meant by covariant return type in Java?</a:t>
-            </a:r>
-          </a:p>
-          <a:p>
-            <a:r>
-              <a:rPr kumimoji="1" lang="en" altLang="zh-CN" dirty="0"/>
-              <a:t>Polymorphism</a:t>
-            </a:r>
-          </a:p>
-          <a:p>
-            <a:r>
-              <a:rPr kumimoji="1" lang="en" altLang="zh-CN" dirty="0"/>
-              <a:t>52. What is Runtime Polymorphism?</a:t>
-            </a:r>
-          </a:p>
-          <a:p>
-            <a:r>
-              <a:rPr kumimoji="1" lang="en" altLang="zh-CN" dirty="0"/>
-              <a:t>53. Is it possible to achieve Runtime Polymorphism by data members in</a:t>
-            </a:r>
-          </a:p>
-          <a:p>
-            <a:r>
-              <a:rPr kumimoji="1" lang="en" altLang="zh-CN" dirty="0"/>
-              <a:t>Java?</a:t>
-            </a:r>
-          </a:p>
-          <a:p>
-            <a:endParaRPr kumimoji="1" lang="en" altLang="zh-CN" dirty="0"/>
+          <a:bodyPr/>
+          <a:lstStyle/>
+          <a:p>
+            <a:r>
+              <a:rPr kumimoji="1" lang="en-US" altLang="zh-CN" dirty="0"/>
+              <a:t>Lambda is an implementation of functional interface</a:t>
+            </a:r>
+          </a:p>
+          <a:p>
+            <a:r>
+              <a:rPr lang="en" altLang="zh-CN" b="0" i="0" dirty="0">
+                <a:effectLst/>
+                <a:latin typeface="Google Sans"/>
+              </a:rPr>
+              <a:t>An Interface that contains exactly </a:t>
+            </a:r>
+            <a:r>
+              <a:rPr lang="en" altLang="zh-CN" b="0" i="0" dirty="0">
+                <a:solidFill>
+                  <a:srgbClr val="FF0000"/>
+                </a:solidFill>
+                <a:effectLst/>
+                <a:latin typeface="Google Sans"/>
+              </a:rPr>
+              <a:t>one abstract method </a:t>
+            </a:r>
+            <a:r>
+              <a:rPr lang="en" altLang="zh-CN" b="0" i="0" dirty="0">
+                <a:effectLst/>
+                <a:latin typeface="Google Sans"/>
+              </a:rPr>
+              <a:t>is known as functional interface. It can have any number of default, static methods but can contain only one abstract method. </a:t>
+            </a:r>
+          </a:p>
+          <a:p>
+            <a:endParaRPr kumimoji="1" lang="zh-CN" altLang="en-US" dirty="0"/>
           </a:p>
         </p:txBody>
       </p:sp>
     </p:spTree>
     <p:extLst>
       <p:ext uri="{BB962C8B-B14F-4D97-AF65-F5344CB8AC3E}">
-        <p14:creationId xmlns:p14="http://schemas.microsoft.com/office/powerpoint/2010/main" val="1329450637"/>
+        <p14:creationId xmlns:p14="http://schemas.microsoft.com/office/powerpoint/2010/main" val="2696408278"/>
       </p:ext>
     </p:extLst>
   </p:cSld>
@@ -3820,7 +4463,7 @@
           <p:cNvPr id="2" name="标题 1">
             <a:extLst>
               <a:ext uri="{FF2B5EF4-FFF2-40B4-BE49-F238E27FC236}">
-                <a16:creationId xmlns:a16="http://schemas.microsoft.com/office/drawing/2014/main" id="{05D15E02-72F7-2340-9F2A-68DD8E479EF4}"/>
+                <a16:creationId xmlns:a16="http://schemas.microsoft.com/office/drawing/2014/main" id="{4CC1BB0F-218D-D846-B96C-7079AAE91EBD}"/>
               </a:ext>
             </a:extLst>
           </p:cNvPr>
@@ -3833,71 +4476,181 @@
         </p:nvSpPr>
         <p:spPr/>
         <p:txBody>
+          <a:bodyPr/>
+          <a:lstStyle/>
+          <a:p>
+            <a:r>
+              <a:rPr kumimoji="1" lang="en-US" altLang="zh-CN" dirty="0"/>
+              <a:t>Marker interface</a:t>
+            </a:r>
+            <a:endParaRPr kumimoji="1" lang="zh-CN" altLang="en-US" dirty="0"/>
+          </a:p>
+        </p:txBody>
+      </p:sp>
+      <p:sp>
+        <p:nvSpPr>
+          <p:cNvPr id="3" name="内容占位符 2">
+            <a:extLst>
+              <a:ext uri="{FF2B5EF4-FFF2-40B4-BE49-F238E27FC236}">
+                <a16:creationId xmlns:a16="http://schemas.microsoft.com/office/drawing/2014/main" id="{EAA9FAAA-9F9D-5E49-8B4D-F5E03C1057A5}"/>
+              </a:ext>
+            </a:extLst>
+          </p:cNvPr>
+          <p:cNvSpPr>
+            <a:spLocks noGrp="1"/>
+          </p:cNvSpPr>
+          <p:nvPr>
+            <p:ph idx="1"/>
+          </p:nvPr>
+        </p:nvSpPr>
+        <p:spPr/>
+        <p:txBody>
           <a:bodyPr>
-            <a:normAutofit/>
+            <a:normAutofit fontScale="92500" lnSpcReduction="10000"/>
           </a:bodyPr>
           <a:lstStyle/>
           <a:p>
-            <a:r>
-              <a:rPr kumimoji="1" lang="en" altLang="zh-CN" dirty="0"/>
-              <a:t>47. Why Java does not allow overriding a static method?</a:t>
-            </a:r>
+            <a:pPr algn="l"/>
+            <a:r>
+              <a:rPr lang="en" altLang="zh-CN" b="1" i="0" dirty="0">
+                <a:solidFill>
+                  <a:srgbClr val="000000"/>
+                </a:solidFill>
+                <a:effectLst/>
+                <a:latin typeface="Raleway" pitchFamily="2" charset="0"/>
+              </a:rPr>
+              <a:t>2. Marker Interfaces</a:t>
+            </a:r>
+          </a:p>
+          <a:p>
+            <a:pPr algn="l"/>
+            <a:r>
+              <a:rPr lang="en" altLang="zh-CN" b="0" i="0" dirty="0">
+                <a:solidFill>
+                  <a:srgbClr val="000000"/>
+                </a:solidFill>
+                <a:effectLst/>
+                <a:latin typeface="Raleway" pitchFamily="2" charset="0"/>
+              </a:rPr>
+              <a:t>A marker interface is an </a:t>
+            </a:r>
+            <a:r>
+              <a:rPr lang="en" altLang="zh-CN" b="0" i="0" u="none" strike="noStrike" dirty="0">
+                <a:solidFill>
+                  <a:srgbClr val="267438"/>
+                </a:solidFill>
+                <a:effectLst/>
+                <a:latin typeface="Raleway" pitchFamily="2" charset="0"/>
+                <a:hlinkClick r:id="rId2"/>
+              </a:rPr>
+              <a:t>interface</a:t>
+            </a:r>
+            <a:r>
+              <a:rPr lang="en" altLang="zh-CN" b="0" i="0" dirty="0">
+                <a:solidFill>
+                  <a:srgbClr val="000000"/>
+                </a:solidFill>
+                <a:effectLst/>
+                <a:latin typeface="Raleway" pitchFamily="2" charset="0"/>
+              </a:rPr>
+              <a:t> that </a:t>
+            </a:r>
+            <a:r>
+              <a:rPr lang="en" altLang="zh-CN" b="1" i="0" dirty="0">
+                <a:solidFill>
+                  <a:srgbClr val="000000"/>
+                </a:solidFill>
+                <a:effectLst/>
+                <a:latin typeface="Raleway" pitchFamily="2" charset="0"/>
+              </a:rPr>
+              <a:t>doesn't have any methods or constants inside it</a:t>
+            </a:r>
+            <a:r>
+              <a:rPr lang="en" altLang="zh-CN" b="0" i="0" dirty="0">
+                <a:solidFill>
+                  <a:srgbClr val="000000"/>
+                </a:solidFill>
+                <a:effectLst/>
+                <a:latin typeface="Raleway" pitchFamily="2" charset="0"/>
+              </a:rPr>
+              <a:t>. It provides </a:t>
+            </a:r>
+            <a:r>
+              <a:rPr lang="en" altLang="zh-CN" b="1" i="0" dirty="0">
+                <a:solidFill>
+                  <a:srgbClr val="000000"/>
+                </a:solidFill>
+                <a:effectLst/>
+                <a:latin typeface="Raleway" pitchFamily="2" charset="0"/>
+              </a:rPr>
+              <a:t>run-time type information about objects</a:t>
+            </a:r>
+            <a:r>
+              <a:rPr lang="en" altLang="zh-CN" b="0" i="0" dirty="0">
+                <a:solidFill>
+                  <a:srgbClr val="000000"/>
+                </a:solidFill>
+                <a:effectLst/>
+                <a:latin typeface="Raleway" pitchFamily="2" charset="0"/>
+              </a:rPr>
+              <a:t>, so the compiler and JVM have </a:t>
+            </a:r>
+            <a:r>
+              <a:rPr lang="en" altLang="zh-CN" b="1" i="0" dirty="0">
+                <a:solidFill>
+                  <a:srgbClr val="000000"/>
+                </a:solidFill>
+                <a:effectLst/>
+                <a:latin typeface="Raleway" pitchFamily="2" charset="0"/>
+              </a:rPr>
+              <a:t>additional information about the object</a:t>
+            </a:r>
+            <a:r>
+              <a:rPr lang="en" altLang="zh-CN" b="0" i="0" dirty="0">
+                <a:solidFill>
+                  <a:srgbClr val="000000"/>
+                </a:solidFill>
+                <a:effectLst/>
+                <a:latin typeface="Raleway" pitchFamily="2" charset="0"/>
+              </a:rPr>
+              <a:t>.</a:t>
+            </a:r>
+          </a:p>
+          <a:p>
+            <a:pPr algn="l"/>
+            <a:r>
+              <a:rPr lang="en" altLang="zh-CN" b="0" i="0" dirty="0">
+                <a:solidFill>
+                  <a:srgbClr val="000000"/>
+                </a:solidFill>
+                <a:effectLst/>
+                <a:latin typeface="Raleway" pitchFamily="2" charset="0"/>
+              </a:rPr>
+              <a:t>A marker interface is also called a tagging interface.</a:t>
+            </a:r>
+          </a:p>
+          <a:p>
+            <a:pPr algn="l"/>
+            <a:r>
+              <a:rPr lang="en" altLang="zh-CN" b="0" i="0" dirty="0">
+                <a:solidFill>
+                  <a:srgbClr val="000000"/>
+                </a:solidFill>
+                <a:effectLst/>
+                <a:latin typeface="Raleway" pitchFamily="2" charset="0"/>
+              </a:rPr>
+              <a:t>Though marker interfaces are still in use, they very likely point to a code smell, and we should use them carefully. The main reason for this is that they blur the lines of what an interface represents, since markers don't define any behavior. Newer development favors annotations to solve some of the same problems.</a:t>
+            </a:r>
+          </a:p>
+          <a:p>
             <a:endParaRPr kumimoji="1" lang="zh-CN" altLang="en-US" dirty="0"/>
-          </a:p>
-        </p:txBody>
-      </p:sp>
-      <p:sp>
-        <p:nvSpPr>
-          <p:cNvPr id="3" name="内容占位符 2">
-            <a:extLst>
-              <a:ext uri="{FF2B5EF4-FFF2-40B4-BE49-F238E27FC236}">
-                <a16:creationId xmlns:a16="http://schemas.microsoft.com/office/drawing/2014/main" id="{AD42EBB2-75B8-B34B-8444-60AF58A94A7F}"/>
-              </a:ext>
-            </a:extLst>
-          </p:cNvPr>
-          <p:cNvSpPr>
-            <a:spLocks noGrp="1"/>
-          </p:cNvSpPr>
-          <p:nvPr>
-            <p:ph idx="1"/>
-          </p:nvPr>
-        </p:nvSpPr>
-        <p:spPr/>
-        <p:txBody>
-          <a:bodyPr/>
-          <a:lstStyle/>
-          <a:p>
-            <a:pPr algn="l">
-              <a:buFont typeface="Arial" panose="020B0604020202020204" pitchFamily="34" charset="0"/>
-              <a:buChar char="•"/>
-            </a:pPr>
-            <a:r>
-              <a:rPr lang="en" altLang="zh-CN" b="0" i="0" dirty="0">
-                <a:effectLst/>
-                <a:latin typeface="Source Sans Pro" panose="020B0503030403020204" pitchFamily="34" charset="0"/>
-              </a:rPr>
-              <a:t>Static methods cannot be overridden since they are bonded at compile time and method overriding relies on dynamic binding at runtime.</a:t>
-            </a:r>
-          </a:p>
-          <a:p>
-            <a:pPr algn="l">
-              <a:buFont typeface="Arial" panose="020B0604020202020204" pitchFamily="34" charset="0"/>
-              <a:buChar char="•"/>
-            </a:pPr>
-            <a:r>
-              <a:rPr lang="en" altLang="zh-CN" b="0" i="0" dirty="0">
-                <a:effectLst/>
-                <a:latin typeface="Source Sans Pro" panose="020B0503030403020204" pitchFamily="34" charset="0"/>
-              </a:rPr>
-              <a:t>If static methods are redefined by a derived class, then it is not Method Overriding but Method Hiding.</a:t>
-            </a:r>
           </a:p>
         </p:txBody>
       </p:sp>
     </p:spTree>
     <p:extLst>
       <p:ext uri="{BB962C8B-B14F-4D97-AF65-F5344CB8AC3E}">
-        <p14:creationId xmlns:p14="http://schemas.microsoft.com/office/powerpoint/2010/main" val="3760813018"/>
+        <p14:creationId xmlns:p14="http://schemas.microsoft.com/office/powerpoint/2010/main" val="2738535293"/>
       </p:ext>
     </p:extLst>
   </p:cSld>
@@ -3929,7 +4682,7 @@
           <p:cNvPr id="2" name="标题 1">
             <a:extLst>
               <a:ext uri="{FF2B5EF4-FFF2-40B4-BE49-F238E27FC236}">
-                <a16:creationId xmlns:a16="http://schemas.microsoft.com/office/drawing/2014/main" id="{10EFA502-40F8-2346-923C-F5FF7708F580}"/>
+                <a16:creationId xmlns:a16="http://schemas.microsoft.com/office/drawing/2014/main" id="{548B5427-9031-6249-AF78-FFDC80E501A2}"/>
               </a:ext>
             </a:extLst>
           </p:cNvPr>
@@ -3942,44 +4695,91 @@
         </p:nvSpPr>
         <p:spPr/>
         <p:txBody>
+          <a:bodyPr/>
+          <a:lstStyle/>
+          <a:p>
+            <a:endParaRPr kumimoji="1" lang="zh-CN" altLang="en-US"/>
+          </a:p>
+        </p:txBody>
+      </p:sp>
+      <p:sp>
+        <p:nvSpPr>
+          <p:cNvPr id="3" name="内容占位符 2">
+            <a:extLst>
+              <a:ext uri="{FF2B5EF4-FFF2-40B4-BE49-F238E27FC236}">
+                <a16:creationId xmlns:a16="http://schemas.microsoft.com/office/drawing/2014/main" id="{D906A225-DAE3-7947-BBEF-2BAEF0A617F7}"/>
+              </a:ext>
+            </a:extLst>
+          </p:cNvPr>
+          <p:cNvSpPr>
+            <a:spLocks noGrp="1"/>
+          </p:cNvSpPr>
+          <p:nvPr>
+            <p:ph idx="1"/>
+          </p:nvPr>
+        </p:nvSpPr>
+        <p:spPr/>
+        <p:txBody>
           <a:bodyPr>
-            <a:normAutofit/>
+            <a:normAutofit fontScale="92500" lnSpcReduction="10000"/>
           </a:bodyPr>
           <a:lstStyle/>
           <a:p>
             <a:r>
               <a:rPr kumimoji="1" lang="en" altLang="zh-CN" dirty="0"/>
-              <a:t>48. Is it allowed to override an overloaded method?</a:t>
+              <a:t>54. Explain the difference between static and dynamic binding?</a:t>
+            </a:r>
+          </a:p>
+          <a:p>
+            <a:r>
+              <a:rPr kumimoji="1" lang="en" altLang="zh-CN" dirty="0"/>
+              <a:t>Abstraction</a:t>
+            </a:r>
+          </a:p>
+          <a:p>
+            <a:r>
+              <a:rPr kumimoji="1" lang="en" altLang="zh-CN" dirty="0"/>
+              <a:t>55. What is Abstraction in Object Oriented programming?</a:t>
+            </a:r>
+          </a:p>
+          <a:p>
+            <a:r>
+              <a:rPr kumimoji="1" lang="en" altLang="zh-CN" dirty="0"/>
+              <a:t>56. How is Abstraction different from Encapsulation?</a:t>
+            </a:r>
+          </a:p>
+          <a:p>
+            <a:r>
+              <a:rPr kumimoji="1" lang="en" altLang="zh-CN" dirty="0"/>
+              <a:t>57. What is an abstract class in Java?</a:t>
+            </a:r>
+          </a:p>
+          <a:p>
+            <a:r>
+              <a:rPr kumimoji="1" lang="en" altLang="zh-CN" dirty="0"/>
+              <a:t>58. Is it allowed to mark a method abstract method without marking the</a:t>
+            </a:r>
+          </a:p>
+          <a:p>
+            <a:r>
+              <a:rPr kumimoji="1" lang="en" altLang="zh-CN" dirty="0"/>
+              <a:t>class abstract?</a:t>
+            </a:r>
+          </a:p>
+          <a:p>
+            <a:r>
+              <a:rPr kumimoji="1" lang="en" altLang="zh-CN" dirty="0"/>
+              <a:t>59. Is it allowed to mark a method abstract as well as final?</a:t>
+            </a:r>
+          </a:p>
+          <a:p>
+            <a:r>
+              <a:rPr kumimoji="1" lang="en" altLang="zh-CN" dirty="0"/>
+              <a:t>60. Can we instantiate an abstract class in Java?</a:t>
             </a:r>
             <a:endParaRPr kumimoji="1" lang="zh-CN" altLang="en-US" dirty="0"/>
           </a:p>
-        </p:txBody>
-      </p:sp>
-      <p:sp>
-        <p:nvSpPr>
-          <p:cNvPr id="3" name="内容占位符 2">
-            <a:extLst>
-              <a:ext uri="{FF2B5EF4-FFF2-40B4-BE49-F238E27FC236}">
-                <a16:creationId xmlns:a16="http://schemas.microsoft.com/office/drawing/2014/main" id="{13B74AB4-4DF8-1246-829F-7899B626E46E}"/>
-              </a:ext>
-            </a:extLst>
-          </p:cNvPr>
-          <p:cNvSpPr>
-            <a:spLocks noGrp="1"/>
-          </p:cNvSpPr>
-          <p:nvPr>
-            <p:ph idx="1"/>
-          </p:nvPr>
-        </p:nvSpPr>
-        <p:spPr/>
-        <p:txBody>
-          <a:bodyPr/>
-          <a:lstStyle/>
-          <a:p>
-            <a:r>
-              <a:rPr kumimoji="1" lang="en-US" altLang="zh-CN" dirty="0"/>
-              <a:t>Yes, since the overloaded method is a completely different method in the eyes of a compiler.</a:t>
-            </a:r>
+          <a:p>
             <a:endParaRPr kumimoji="1" lang="zh-CN" altLang="en-US" dirty="0"/>
           </a:p>
         </p:txBody>
@@ -3987,7 +4787,7 @@
     </p:spTree>
     <p:extLst>
       <p:ext uri="{BB962C8B-B14F-4D97-AF65-F5344CB8AC3E}">
-        <p14:creationId xmlns:p14="http://schemas.microsoft.com/office/powerpoint/2010/main" val="328721661"/>
+        <p14:creationId xmlns:p14="http://schemas.microsoft.com/office/powerpoint/2010/main" val="612486774"/>
       </p:ext>
     </p:extLst>
   </p:cSld>
@@ -4019,7 +4819,7 @@
           <p:cNvPr id="2" name="标题 1">
             <a:extLst>
               <a:ext uri="{FF2B5EF4-FFF2-40B4-BE49-F238E27FC236}">
-                <a16:creationId xmlns:a16="http://schemas.microsoft.com/office/drawing/2014/main" id="{66B8C0EB-1DC6-B243-9475-07A807E34F3A}"/>
+                <a16:creationId xmlns:a16="http://schemas.microsoft.com/office/drawing/2014/main" id="{F6C93731-4C72-2243-8B63-9800CABF87C2}"/>
               </a:ext>
             </a:extLst>
           </p:cNvPr>
@@ -4032,55 +4832,110 @@
         </p:nvSpPr>
         <p:spPr/>
         <p:txBody>
+          <a:bodyPr/>
+          <a:lstStyle/>
+          <a:p>
+            <a:endParaRPr kumimoji="1" lang="zh-CN" altLang="en-US"/>
+          </a:p>
+        </p:txBody>
+      </p:sp>
+      <p:sp>
+        <p:nvSpPr>
+          <p:cNvPr id="3" name="内容占位符 2">
+            <a:extLst>
+              <a:ext uri="{FF2B5EF4-FFF2-40B4-BE49-F238E27FC236}">
+                <a16:creationId xmlns:a16="http://schemas.microsoft.com/office/drawing/2014/main" id="{A3625A33-3824-EF4E-9A91-039436557297}"/>
+              </a:ext>
+            </a:extLst>
+          </p:cNvPr>
+          <p:cNvSpPr>
+            <a:spLocks noGrp="1"/>
+          </p:cNvSpPr>
+          <p:nvPr>
+            <p:ph idx="1"/>
+          </p:nvPr>
+        </p:nvSpPr>
+        <p:spPr/>
+        <p:txBody>
           <a:bodyPr>
-            <a:normAutofit/>
+            <a:normAutofit fontScale="85000" lnSpcReduction="20000"/>
           </a:bodyPr>
           <a:lstStyle/>
           <a:p>
             <a:r>
               <a:rPr kumimoji="1" lang="en" altLang="zh-CN" dirty="0"/>
-              <a:t>49. What is the difference between method overloading and method overriding in Java?</a:t>
-            </a:r>
-            <a:endParaRPr kumimoji="1" lang="zh-CN" altLang="en-US" dirty="0"/>
-          </a:p>
-        </p:txBody>
-      </p:sp>
-      <p:pic>
-        <p:nvPicPr>
-          <p:cNvPr id="4" name="内容占位符 3">
-            <a:extLst>
-              <a:ext uri="{FF2B5EF4-FFF2-40B4-BE49-F238E27FC236}">
-                <a16:creationId xmlns:a16="http://schemas.microsoft.com/office/drawing/2014/main" id="{BDBD96CD-42B5-F444-B1ED-7159257AD038}"/>
-              </a:ext>
-            </a:extLst>
-          </p:cNvPr>
-          <p:cNvPicPr>
-            <a:picLocks noGrp="1" noChangeAspect="1"/>
-          </p:cNvPicPr>
-          <p:nvPr>
-            <p:ph idx="1"/>
-          </p:nvPr>
-        </p:nvPicPr>
-        <p:blipFill>
-          <a:blip r:embed="rId2"/>
-          <a:stretch>
-            <a:fillRect/>
-          </a:stretch>
-        </p:blipFill>
-        <p:spPr>
-          <a:xfrm>
-            <a:off x="2000870" y="1825625"/>
-            <a:ext cx="8190259" cy="4351338"/>
-          </a:xfrm>
-          <a:prstGeom prst="rect">
-            <a:avLst/>
-          </a:prstGeom>
-        </p:spPr>
-      </p:pic>
+              <a:t>Set 5 :</a:t>
+            </a:r>
+          </a:p>
+          <a:p>
+            <a:r>
+              <a:rPr kumimoji="1" lang="en" altLang="zh-CN" dirty="0"/>
+              <a:t>47. Why Java does not allow overriding a static method?</a:t>
+            </a:r>
+          </a:p>
+          <a:p>
+            <a:r>
+              <a:rPr kumimoji="1" lang="en" altLang="zh-CN" dirty="0"/>
+              <a:t>48. Is it allowed to override an overloaded method?</a:t>
+            </a:r>
+          </a:p>
+          <a:p>
+            <a:r>
+              <a:rPr kumimoji="1" lang="en" altLang="zh-CN" dirty="0"/>
+              <a:t>49. What is the difference between method overloading and method</a:t>
+            </a:r>
+          </a:p>
+          <a:p>
+            <a:r>
+              <a:rPr kumimoji="1" lang="en" altLang="zh-CN" dirty="0"/>
+              <a:t>overriding in Java?</a:t>
+            </a:r>
+          </a:p>
+          <a:p>
+            <a:r>
+              <a:rPr kumimoji="1" lang="en" altLang="zh-CN" dirty="0"/>
+              <a:t>50. Does Java allow virtual functions?</a:t>
+            </a:r>
+          </a:p>
+          <a:p>
+            <a:r>
+              <a:rPr kumimoji="1" lang="en" altLang="zh-CN" dirty="0"/>
+              <a:t>51. What is meant by covariant return type in Java?</a:t>
+            </a:r>
+          </a:p>
+          <a:p>
+            <a:r>
+              <a:rPr kumimoji="1" lang="en" altLang="zh-CN" dirty="0"/>
+              <a:t>Polymorphism</a:t>
+            </a:r>
+          </a:p>
+          <a:p>
+            <a:r>
+              <a:rPr kumimoji="1" lang="en" altLang="zh-CN" dirty="0"/>
+              <a:t>52. What is Runtime Polymorphism?</a:t>
+            </a:r>
+          </a:p>
+          <a:p>
+            <a:r>
+              <a:rPr kumimoji="1" lang="en" altLang="zh-CN" dirty="0"/>
+              <a:t>53. Is it possible to achieve Runtime Polymorphism by data members in</a:t>
+            </a:r>
+          </a:p>
+          <a:p>
+            <a:r>
+              <a:rPr kumimoji="1" lang="en" altLang="zh-CN" dirty="0"/>
+              <a:t>Java?</a:t>
+            </a:r>
+          </a:p>
+          <a:p>
+            <a:endParaRPr kumimoji="1" lang="en" altLang="zh-CN" dirty="0"/>
+          </a:p>
+        </p:txBody>
+      </p:sp>
     </p:spTree>
     <p:extLst>
       <p:ext uri="{BB962C8B-B14F-4D97-AF65-F5344CB8AC3E}">
-        <p14:creationId xmlns:p14="http://schemas.microsoft.com/office/powerpoint/2010/main" val="1469830532"/>
+        <p14:creationId xmlns:p14="http://schemas.microsoft.com/office/powerpoint/2010/main" val="1329450637"/>
       </p:ext>
     </p:extLst>
   </p:cSld>
@@ -4112,7 +4967,7 @@
           <p:cNvPr id="2" name="标题 1">
             <a:extLst>
               <a:ext uri="{FF2B5EF4-FFF2-40B4-BE49-F238E27FC236}">
-                <a16:creationId xmlns:a16="http://schemas.microsoft.com/office/drawing/2014/main" id="{C87A22B3-6FF9-4A4C-88D0-31A5986167B1}"/>
+                <a16:creationId xmlns:a16="http://schemas.microsoft.com/office/drawing/2014/main" id="{05D15E02-72F7-2340-9F2A-68DD8E479EF4}"/>
               </a:ext>
             </a:extLst>
           </p:cNvPr>
@@ -4125,12 +4980,14 @@
         </p:nvSpPr>
         <p:spPr/>
         <p:txBody>
-          <a:bodyPr/>
+          <a:bodyPr>
+            <a:normAutofit/>
+          </a:bodyPr>
           <a:lstStyle/>
           <a:p>
             <a:r>
               <a:rPr kumimoji="1" lang="en" altLang="zh-CN" dirty="0"/>
-              <a:t>50. Does Java allow virtual functions?</a:t>
+              <a:t>47. Why Java does not allow overriding a static method?</a:t>
             </a:r>
             <a:endParaRPr kumimoji="1" lang="zh-CN" altLang="en-US" dirty="0"/>
           </a:p>
@@ -4141,7 +4998,7 @@
           <p:cNvPr id="3" name="内容占位符 2">
             <a:extLst>
               <a:ext uri="{FF2B5EF4-FFF2-40B4-BE49-F238E27FC236}">
-                <a16:creationId xmlns:a16="http://schemas.microsoft.com/office/drawing/2014/main" id="{458D5C9E-D15A-7B49-8918-D43460A13747}"/>
+                <a16:creationId xmlns:a16="http://schemas.microsoft.com/office/drawing/2014/main" id="{AD42EBB2-75B8-B34B-8444-60AF58A94A7F}"/>
               </a:ext>
             </a:extLst>
           </p:cNvPr>
@@ -4157,24 +5014,37 @@
           <a:bodyPr/>
           <a:lstStyle/>
           <a:p>
+            <a:pPr algn="l">
+              <a:buFont typeface="Arial" panose="020B0604020202020204" pitchFamily="34" charset="0"/>
+              <a:buChar char="•"/>
+            </a:pPr>
             <a:r>
               <a:rPr lang="en" altLang="zh-CN" b="0" i="0" dirty="0">
-                <a:solidFill>
-                  <a:srgbClr val="333333"/>
-                </a:solidFill>
                 <a:effectLst/>
-                <a:latin typeface="inter-regular"/>
+                <a:latin typeface="Source Sans Pro" panose="020B0503030403020204" pitchFamily="34" charset="0"/>
               </a:rPr>
-              <a:t>By default, all the instance methods in Java are considered as the Virtual function except final, static, and private methods as these methods can be used to achieve polymorphism.</a:t>
-            </a:r>
-            <a:endParaRPr kumimoji="1" lang="zh-CN" altLang="en-US" dirty="0"/>
+              <a:t>Static methods cannot be overridden since they are bonded at compile time and method overriding relies on dynamic binding at runtime.</a:t>
+            </a:r>
+          </a:p>
+          <a:p>
+            <a:pPr algn="l">
+              <a:buFont typeface="Arial" panose="020B0604020202020204" pitchFamily="34" charset="0"/>
+              <a:buChar char="•"/>
+            </a:pPr>
+            <a:r>
+              <a:rPr lang="en" altLang="zh-CN" b="0" i="0" dirty="0">
+                <a:effectLst/>
+                <a:latin typeface="Source Sans Pro" panose="020B0503030403020204" pitchFamily="34" charset="0"/>
+              </a:rPr>
+              <a:t>If static methods are redefined by a derived class, then it is not Method Overriding but Method Hiding.</a:t>
+            </a:r>
           </a:p>
         </p:txBody>
       </p:sp>
     </p:spTree>
     <p:extLst>
       <p:ext uri="{BB962C8B-B14F-4D97-AF65-F5344CB8AC3E}">
-        <p14:creationId xmlns:p14="http://schemas.microsoft.com/office/powerpoint/2010/main" val="1423813232"/>
+        <p14:creationId xmlns:p14="http://schemas.microsoft.com/office/powerpoint/2010/main" val="3760813018"/>
       </p:ext>
     </p:extLst>
   </p:cSld>
@@ -4206,7 +5076,7 @@
           <p:cNvPr id="2" name="标题 1">
             <a:extLst>
               <a:ext uri="{FF2B5EF4-FFF2-40B4-BE49-F238E27FC236}">
-                <a16:creationId xmlns:a16="http://schemas.microsoft.com/office/drawing/2014/main" id="{3A7BF894-FADC-164D-AFC9-C6C78AAFDB01}"/>
+                <a16:creationId xmlns:a16="http://schemas.microsoft.com/office/drawing/2014/main" id="{10EFA502-40F8-2346-923C-F5FF7708F580}"/>
               </a:ext>
             </a:extLst>
           </p:cNvPr>
@@ -4226,7 +5096,7 @@
           <a:p>
             <a:r>
               <a:rPr kumimoji="1" lang="en" altLang="zh-CN" dirty="0"/>
-              <a:t>51. What is meant by covariant return type in Java?</a:t>
+              <a:t>48. Is it allowed to override an overloaded method?</a:t>
             </a:r>
             <a:endParaRPr kumimoji="1" lang="zh-CN" altLang="en-US" dirty="0"/>
           </a:p>
@@ -4237,7 +5107,7 @@
           <p:cNvPr id="3" name="内容占位符 2">
             <a:extLst>
               <a:ext uri="{FF2B5EF4-FFF2-40B4-BE49-F238E27FC236}">
-                <a16:creationId xmlns:a16="http://schemas.microsoft.com/office/drawing/2014/main" id="{FE9E53EF-ED8A-144C-A598-5B9858389CE2}"/>
+                <a16:creationId xmlns:a16="http://schemas.microsoft.com/office/drawing/2014/main" id="{13B74AB4-4DF8-1246-829F-7899B626E46E}"/>
               </a:ext>
             </a:extLst>
           </p:cNvPr>
@@ -4254,14 +5124,8 @@
           <a:lstStyle/>
           <a:p>
             <a:r>
-              <a:rPr lang="en" altLang="zh-CN" b="0" i="0" dirty="0">
-                <a:solidFill>
-                  <a:srgbClr val="000000"/>
-                </a:solidFill>
-                <a:effectLst/>
-                <a:latin typeface="Nunito" pitchFamily="2" charset="0"/>
-              </a:rPr>
-              <a:t>Covariant return type refers to return type of an overriding method. It allows to narrow down return type of an overridden method without any need to cast the type or check the return type. Covariant return type works only for non-primitive return types.</a:t>
+              <a:rPr kumimoji="1" lang="en-US" altLang="zh-CN" dirty="0"/>
+              <a:t>Yes, since the overloaded method is a completely different method in the eyes of a compiler.</a:t>
             </a:r>
             <a:endParaRPr kumimoji="1" lang="zh-CN" altLang="en-US" dirty="0"/>
           </a:p>
@@ -4270,7 +5134,7 @@
     </p:spTree>
     <p:extLst>
       <p:ext uri="{BB962C8B-B14F-4D97-AF65-F5344CB8AC3E}">
-        <p14:creationId xmlns:p14="http://schemas.microsoft.com/office/powerpoint/2010/main" val="2440945387"/>
+        <p14:creationId xmlns:p14="http://schemas.microsoft.com/office/powerpoint/2010/main" val="328721661"/>
       </p:ext>
     </p:extLst>
   </p:cSld>
@@ -4302,7 +5166,7 @@
           <p:cNvPr id="2" name="标题 1">
             <a:extLst>
               <a:ext uri="{FF2B5EF4-FFF2-40B4-BE49-F238E27FC236}">
-                <a16:creationId xmlns:a16="http://schemas.microsoft.com/office/drawing/2014/main" id="{5DE401A5-93C9-4A49-A521-9E6C243F0EB9}"/>
+                <a16:creationId xmlns:a16="http://schemas.microsoft.com/office/drawing/2014/main" id="{66B8C0EB-1DC6-B243-9475-07A807E34F3A}"/>
               </a:ext>
             </a:extLst>
           </p:cNvPr>
@@ -4315,50 +5179,55 @@
         </p:nvSpPr>
         <p:spPr/>
         <p:txBody>
-          <a:bodyPr/>
+          <a:bodyPr>
+            <a:normAutofit/>
+          </a:bodyPr>
           <a:lstStyle/>
           <a:p>
             <a:r>
               <a:rPr kumimoji="1" lang="en" altLang="zh-CN" dirty="0"/>
-              <a:t>52. What is Runtime Polymorphism?</a:t>
+              <a:t>49. What is the difference between method overloading and method overriding in Java?</a:t>
             </a:r>
             <a:endParaRPr kumimoji="1" lang="zh-CN" altLang="en-US" dirty="0"/>
           </a:p>
         </p:txBody>
       </p:sp>
-      <p:sp>
-        <p:nvSpPr>
-          <p:cNvPr id="3" name="内容占位符 2">
-            <a:extLst>
-              <a:ext uri="{FF2B5EF4-FFF2-40B4-BE49-F238E27FC236}">
-                <a16:creationId xmlns:a16="http://schemas.microsoft.com/office/drawing/2014/main" id="{04EE35F7-9915-2F45-B00D-FDE3F6B5BC6A}"/>
-              </a:ext>
-            </a:extLst>
-          </p:cNvPr>
-          <p:cNvSpPr>
-            <a:spLocks noGrp="1"/>
-          </p:cNvSpPr>
+      <p:pic>
+        <p:nvPicPr>
+          <p:cNvPr id="4" name="内容占位符 3">
+            <a:extLst>
+              <a:ext uri="{FF2B5EF4-FFF2-40B4-BE49-F238E27FC236}">
+                <a16:creationId xmlns:a16="http://schemas.microsoft.com/office/drawing/2014/main" id="{BDBD96CD-42B5-F444-B1ED-7159257AD038}"/>
+              </a:ext>
+            </a:extLst>
+          </p:cNvPr>
+          <p:cNvPicPr>
+            <a:picLocks noGrp="1" noChangeAspect="1"/>
+          </p:cNvPicPr>
           <p:nvPr>
             <p:ph idx="1"/>
           </p:nvPr>
-        </p:nvSpPr>
-        <p:spPr/>
-        <p:txBody>
-          <a:bodyPr/>
-          <a:lstStyle/>
-          <a:p>
-            <a:r>
-              <a:rPr kumimoji="1" lang="en-US" altLang="zh-CN" dirty="0"/>
-              <a:t>overriding</a:t>
-            </a:r>
-            <a:endParaRPr kumimoji="1" lang="zh-CN" altLang="en-US" dirty="0"/>
-          </a:p>
-        </p:txBody>
-      </p:sp>
+        </p:nvPicPr>
+        <p:blipFill>
+          <a:blip r:embed="rId2"/>
+          <a:stretch>
+            <a:fillRect/>
+          </a:stretch>
+        </p:blipFill>
+        <p:spPr>
+          <a:xfrm>
+            <a:off x="2000870" y="1825625"/>
+            <a:ext cx="8190259" cy="4351338"/>
+          </a:xfrm>
+          <a:prstGeom prst="rect">
+            <a:avLst/>
+          </a:prstGeom>
+        </p:spPr>
+      </p:pic>
     </p:spTree>
     <p:extLst>
       <p:ext uri="{BB962C8B-B14F-4D97-AF65-F5344CB8AC3E}">
-        <p14:creationId xmlns:p14="http://schemas.microsoft.com/office/powerpoint/2010/main" val="650274606"/>
+        <p14:creationId xmlns:p14="http://schemas.microsoft.com/office/powerpoint/2010/main" val="1469830532"/>
       </p:ext>
     </p:extLst>
   </p:cSld>
@@ -4661,4 +5530,299 @@
     </a:ext>
   </a:extLst>
 </a:theme>
+</file>
+
+<file path=ppt/theme/theme2.xml><?xml version="1.0" encoding="utf-8"?>
+<a:theme xmlns:a="http://schemas.openxmlformats.org/drawingml/2006/main" name="Office 主题​​">
+  <a:themeElements>
+    <a:clrScheme name="Office">
+      <a:dk1>
+        <a:sysClr val="windowText" lastClr="000000"/>
+      </a:dk1>
+      <a:lt1>
+        <a:sysClr val="window" lastClr="FFFFFF"/>
+      </a:lt1>
+      <a:dk2>
+        <a:srgbClr val="44546A"/>
+      </a:dk2>
+      <a:lt2>
+        <a:srgbClr val="E7E6E6"/>
+      </a:lt2>
+      <a:accent1>
+        <a:srgbClr val="4472C4"/>
+      </a:accent1>
+      <a:accent2>
+        <a:srgbClr val="ED7D31"/>
+      </a:accent2>
+      <a:accent3>
+        <a:srgbClr val="A5A5A5"/>
+      </a:accent3>
+      <a:accent4>
+        <a:srgbClr val="FFC000"/>
+      </a:accent4>
+      <a:accent5>
+        <a:srgbClr val="5B9BD5"/>
+      </a:accent5>
+      <a:accent6>
+        <a:srgbClr val="70AD47"/>
+      </a:accent6>
+      <a:hlink>
+        <a:srgbClr val="0563C1"/>
+      </a:hlink>
+      <a:folHlink>
+        <a:srgbClr val="954F72"/>
+      </a:folHlink>
+    </a:clrScheme>
+    <a:fontScheme name="Office">
+      <a:majorFont>
+        <a:latin typeface="等线 Light" panose="020F0302020204030204"/>
+        <a:ea typeface=""/>
+        <a:cs typeface=""/>
+        <a:font script="Jpan" typeface="游ゴシック Light"/>
+        <a:font script="Hang" typeface="맑은 고딕"/>
+        <a:font script="Hans" typeface="等线 Light"/>
+        <a:font script="Hant" typeface="新細明體"/>
+        <a:font script="Arab" typeface="Times New Roman"/>
+        <a:font script="Hebr" typeface="Times New Roman"/>
+        <a:font script="Thai" typeface="Angsana New"/>
+        <a:font script="Ethi" typeface="Nyala"/>
+        <a:font script="Beng" typeface="Vrinda"/>
+        <a:font script="Gujr" typeface="Shruti"/>
+        <a:font script="Khmr" typeface="MoolBoran"/>
+        <a:font script="Knda" typeface="Tunga"/>
+        <a:font script="Guru" typeface="Raavi"/>
+        <a:font script="Cans" typeface="Euphemia"/>
+        <a:font script="Cher" typeface="Plantagenet Cherokee"/>
+        <a:font script="Yiii" typeface="Microsoft Yi Baiti"/>
+        <a:font script="Tibt" typeface="Microsoft Himalaya"/>
+        <a:font script="Thaa" typeface="MV Boli"/>
+        <a:font script="Deva" typeface="Mangal"/>
+        <a:font script="Telu" typeface="Gautami"/>
+        <a:font script="Taml" typeface="Latha"/>
+        <a:font script="Syrc" typeface="Estrangelo Edessa"/>
+        <a:font script="Orya" typeface="Kalinga"/>
+        <a:font script="Mlym" typeface="Kartika"/>
+        <a:font script="Laoo" typeface="DokChampa"/>
+        <a:font script="Sinh" typeface="Iskoola Pota"/>
+        <a:font script="Mong" typeface="Mongolian Baiti"/>
+        <a:font script="Viet" typeface="Times New Roman"/>
+        <a:font script="Uigh" typeface="Microsoft Uighur"/>
+        <a:font script="Geor" typeface="Sylfaen"/>
+        <a:font script="Armn" typeface="Arial"/>
+        <a:font script="Bugi" typeface="Leelawadee UI"/>
+        <a:font script="Bopo" typeface="Microsoft JhengHei"/>
+        <a:font script="Java" typeface="Javanese Text"/>
+        <a:font script="Lisu" typeface="Segoe UI"/>
+        <a:font script="Mymr" typeface="Myanmar Text"/>
+        <a:font script="Nkoo" typeface="Ebrima"/>
+        <a:font script="Olck" typeface="Nirmala UI"/>
+        <a:font script="Osma" typeface="Ebrima"/>
+        <a:font script="Phag" typeface="Phagspa"/>
+        <a:font script="Syrn" typeface="Estrangelo Edessa"/>
+        <a:font script="Syrj" typeface="Estrangelo Edessa"/>
+        <a:font script="Syre" typeface="Estrangelo Edessa"/>
+        <a:font script="Sora" typeface="Nirmala UI"/>
+        <a:font script="Tale" typeface="Microsoft Tai Le"/>
+        <a:font script="Talu" typeface="Microsoft New Tai Lue"/>
+        <a:font script="Tfng" typeface="Ebrima"/>
+      </a:majorFont>
+      <a:minorFont>
+        <a:latin typeface="等线" panose="020F0502020204030204"/>
+        <a:ea typeface=""/>
+        <a:cs typeface=""/>
+        <a:font script="Jpan" typeface="游ゴシック"/>
+        <a:font script="Hang" typeface="맑은 고딕"/>
+        <a:font script="Hans" typeface="等线"/>
+        <a:font script="Hant" typeface="新細明體"/>
+        <a:font script="Arab" typeface="Arial"/>
+        <a:font script="Hebr" typeface="Arial"/>
+        <a:font script="Thai" typeface="Cordia New"/>
+        <a:font script="Ethi" typeface="Nyala"/>
+        <a:font script="Beng" typeface="Vrinda"/>
+        <a:font script="Gujr" typeface="Shruti"/>
+        <a:font script="Khmr" typeface="DaunPenh"/>
+        <a:font script="Knda" typeface="Tunga"/>
+        <a:font script="Guru" typeface="Raavi"/>
+        <a:font script="Cans" typeface="Euphemia"/>
+        <a:font script="Cher" typeface="Plantagenet Cherokee"/>
+        <a:font script="Yiii" typeface="Microsoft Yi Baiti"/>
+        <a:font script="Tibt" typeface="Microsoft Himalaya"/>
+        <a:font script="Thaa" typeface="MV Boli"/>
+        <a:font script="Deva" typeface="Mangal"/>
+        <a:font script="Telu" typeface="Gautami"/>
+        <a:font script="Taml" typeface="Latha"/>
+        <a:font script="Syrc" typeface="Estrangelo Edessa"/>
+        <a:font script="Orya" typeface="Kalinga"/>
+        <a:font script="Mlym" typeface="Kartika"/>
+        <a:font script="Laoo" typeface="DokChampa"/>
+        <a:font script="Sinh" typeface="Iskoola Pota"/>
+        <a:font script="Mong" typeface="Mongolian Baiti"/>
+        <a:font script="Viet" typeface="Arial"/>
+        <a:font script="Uigh" typeface="Microsoft Uighur"/>
+        <a:font script="Geor" typeface="Sylfaen"/>
+        <a:font script="Armn" typeface="Arial"/>
+        <a:font script="Bugi" typeface="Leelawadee UI"/>
+        <a:font script="Bopo" typeface="Microsoft JhengHei"/>
+        <a:font script="Java" typeface="Javanese Text"/>
+        <a:font script="Lisu" typeface="Segoe UI"/>
+        <a:font script="Mymr" typeface="Myanmar Text"/>
+        <a:font script="Nkoo" typeface="Ebrima"/>
+        <a:font script="Olck" typeface="Nirmala UI"/>
+        <a:font script="Osma" typeface="Ebrima"/>
+        <a:font script="Phag" typeface="Phagspa"/>
+        <a:font script="Syrn" typeface="Estrangelo Edessa"/>
+        <a:font script="Syrj" typeface="Estrangelo Edessa"/>
+        <a:font script="Syre" typeface="Estrangelo Edessa"/>
+        <a:font script="Sora" typeface="Nirmala UI"/>
+        <a:font script="Tale" typeface="Microsoft Tai Le"/>
+        <a:font script="Talu" typeface="Microsoft New Tai Lue"/>
+        <a:font script="Tfng" typeface="Ebrima"/>
+      </a:minorFont>
+    </a:fontScheme>
+    <a:fmtScheme name="Office">
+      <a:fillStyleLst>
+        <a:solidFill>
+          <a:schemeClr val="phClr"/>
+        </a:solidFill>
+        <a:gradFill rotWithShape="1">
+          <a:gsLst>
+            <a:gs pos="0">
+              <a:schemeClr val="phClr">
+                <a:lumMod val="110000"/>
+                <a:satMod val="105000"/>
+                <a:tint val="67000"/>
+              </a:schemeClr>
+            </a:gs>
+            <a:gs pos="50000">
+              <a:schemeClr val="phClr">
+                <a:lumMod val="105000"/>
+                <a:satMod val="103000"/>
+                <a:tint val="73000"/>
+              </a:schemeClr>
+            </a:gs>
+            <a:gs pos="100000">
+              <a:schemeClr val="phClr">
+                <a:lumMod val="105000"/>
+                <a:satMod val="109000"/>
+                <a:tint val="81000"/>
+              </a:schemeClr>
+            </a:gs>
+          </a:gsLst>
+          <a:lin ang="5400000" scaled="0"/>
+        </a:gradFill>
+        <a:gradFill rotWithShape="1">
+          <a:gsLst>
+            <a:gs pos="0">
+              <a:schemeClr val="phClr">
+                <a:satMod val="103000"/>
+                <a:lumMod val="102000"/>
+                <a:tint val="94000"/>
+              </a:schemeClr>
+            </a:gs>
+            <a:gs pos="50000">
+              <a:schemeClr val="phClr">
+                <a:satMod val="110000"/>
+                <a:lumMod val="100000"/>
+                <a:shade val="100000"/>
+              </a:schemeClr>
+            </a:gs>
+            <a:gs pos="100000">
+              <a:schemeClr val="phClr">
+                <a:lumMod val="99000"/>
+                <a:satMod val="120000"/>
+                <a:shade val="78000"/>
+              </a:schemeClr>
+            </a:gs>
+          </a:gsLst>
+          <a:lin ang="5400000" scaled="0"/>
+        </a:gradFill>
+      </a:fillStyleLst>
+      <a:lnStyleLst>
+        <a:ln w="6350" cap="flat" cmpd="sng" algn="ctr">
+          <a:solidFill>
+            <a:schemeClr val="phClr"/>
+          </a:solidFill>
+          <a:prstDash val="solid"/>
+          <a:miter lim="800000"/>
+        </a:ln>
+        <a:ln w="12700" cap="flat" cmpd="sng" algn="ctr">
+          <a:solidFill>
+            <a:schemeClr val="phClr"/>
+          </a:solidFill>
+          <a:prstDash val="solid"/>
+          <a:miter lim="800000"/>
+        </a:ln>
+        <a:ln w="19050" cap="flat" cmpd="sng" algn="ctr">
+          <a:solidFill>
+            <a:schemeClr val="phClr"/>
+          </a:solidFill>
+          <a:prstDash val="solid"/>
+          <a:miter lim="800000"/>
+        </a:ln>
+      </a:lnStyleLst>
+      <a:effectStyleLst>
+        <a:effectStyle>
+          <a:effectLst/>
+        </a:effectStyle>
+        <a:effectStyle>
+          <a:effectLst/>
+        </a:effectStyle>
+        <a:effectStyle>
+          <a:effectLst>
+            <a:outerShdw blurRad="57150" dist="19050" dir="5400000" algn="ctr" rotWithShape="0">
+              <a:srgbClr val="000000">
+                <a:alpha val="63000"/>
+              </a:srgbClr>
+            </a:outerShdw>
+          </a:effectLst>
+        </a:effectStyle>
+      </a:effectStyleLst>
+      <a:bgFillStyleLst>
+        <a:solidFill>
+          <a:schemeClr val="phClr"/>
+        </a:solidFill>
+        <a:solidFill>
+          <a:schemeClr val="phClr">
+            <a:tint val="95000"/>
+            <a:satMod val="170000"/>
+          </a:schemeClr>
+        </a:solidFill>
+        <a:gradFill rotWithShape="1">
+          <a:gsLst>
+            <a:gs pos="0">
+              <a:schemeClr val="phClr">
+                <a:tint val="93000"/>
+                <a:satMod val="150000"/>
+                <a:shade val="98000"/>
+                <a:lumMod val="102000"/>
+              </a:schemeClr>
+            </a:gs>
+            <a:gs pos="50000">
+              <a:schemeClr val="phClr">
+                <a:tint val="98000"/>
+                <a:satMod val="130000"/>
+                <a:shade val="90000"/>
+                <a:lumMod val="103000"/>
+              </a:schemeClr>
+            </a:gs>
+            <a:gs pos="100000">
+              <a:schemeClr val="phClr">
+                <a:shade val="63000"/>
+                <a:satMod val="120000"/>
+              </a:schemeClr>
+            </a:gs>
+          </a:gsLst>
+          <a:lin ang="5400000" scaled="0"/>
+        </a:gradFill>
+      </a:bgFillStyleLst>
+    </a:fmtScheme>
+  </a:themeElements>
+  <a:objectDefaults/>
+  <a:extraClrSchemeLst/>
+  <a:extLst>
+    <a:ext uri="{05A4C25C-085E-4340-85A3-A5531E510DB2}">
+      <thm15:themeFamily xmlns:thm15="http://schemas.microsoft.com/office/thememl/2012/main" name="Office Theme" id="{62F939B6-93AF-4DB8-9C6B-D6C7DFDC589F}" vid="{4A3C46E8-61CC-4603-A589-7422A47A8E4A}"/>
+    </a:ext>
+  </a:extLst>
+</a:theme>
 </file>